--- a/Apresentação1.pptx
+++ b/Apresentação1.pptx
@@ -10,7 +10,14 @@
     <p:sldId id="260" r:id="rId4"/>
     <p:sldId id="261" r:id="rId5"/>
     <p:sldId id="258" r:id="rId6"/>
-    <p:sldId id="262" r:id="rId7"/>
+    <p:sldId id="267" r:id="rId7"/>
+    <p:sldId id="262" r:id="rId8"/>
+    <p:sldId id="263" r:id="rId9"/>
+    <p:sldId id="264" r:id="rId10"/>
+    <p:sldId id="265" r:id="rId11"/>
+    <p:sldId id="266" r:id="rId12"/>
+    <p:sldId id="268" r:id="rId13"/>
+    <p:sldId id="269" r:id="rId14"/>
   </p:sldIdLst>
   <p:sldSz cx="12192000" cy="6858000"/>
   <p:notesSz cx="6858000" cy="9144000"/>
@@ -109,6 +116,11 @@
       </a:defRPr>
     </a:lvl9pPr>
   </p:defaultTextStyle>
+  <p:extLst>
+    <p:ext uri="{EFAFB233-063F-42B5-8137-9DF3F51BA10A}">
+      <p15:sldGuideLst xmlns:p15="http://schemas.microsoft.com/office/powerpoint/2012/main"/>
+    </p:ext>
+  </p:extLst>
 </p:presentation>
 </file>
 
@@ -338,7 +350,7 @@
           <a:p>
             <a:fld id="{4BDF68E2-58F2-4D09-BE8B-E3BD06533059}" type="datetimeFigureOut">
               <a:rPr lang="en-US" dirty="0"/>
-              <a:t>4/3/2017</a:t>
+              <a:t>4/4/2017</a:t>
             </a:fld>
             <a:endParaRPr lang="en-US" dirty="0"/>
           </a:p>
@@ -541,7 +553,7 @@
           <a:p>
             <a:fld id="{2E2D6473-DF6D-4702-B328-E0DD40540A4E}" type="datetimeFigureOut">
               <a:rPr lang="en-US" dirty="0"/>
-              <a:t>4/3/2017</a:t>
+              <a:t>4/4/2017</a:t>
             </a:fld>
             <a:endParaRPr lang="en-US" dirty="0"/>
           </a:p>
@@ -792,7 +804,7 @@
           <a:p>
             <a:fld id="{E26F7E3A-B166-407D-9866-32884E7D5B37}" type="datetimeFigureOut">
               <a:rPr lang="en-US" dirty="0"/>
-              <a:t>4/3/2017</a:t>
+              <a:t>4/4/2017</a:t>
             </a:fld>
             <a:endParaRPr lang="en-US" dirty="0"/>
           </a:p>
@@ -961,7 +973,7 @@
           <a:p>
             <a:fld id="{528FC5F6-F338-4AE4-BB23-26385BCFC423}" type="datetimeFigureOut">
               <a:rPr lang="en-US" dirty="0"/>
-              <a:t>4/3/2017</a:t>
+              <a:t>4/4/2017</a:t>
             </a:fld>
             <a:endParaRPr lang="en-US" dirty="0"/>
           </a:p>
@@ -1299,7 +1311,7 @@
           <a:p>
             <a:fld id="{20EBB0C4-6273-4C6E-B9BD-2EDC30F1CD52}" type="datetimeFigureOut">
               <a:rPr lang="en-US" dirty="0"/>
-              <a:t>4/3/2017</a:t>
+              <a:t>4/4/2017</a:t>
             </a:fld>
             <a:endParaRPr lang="en-US" dirty="0"/>
           </a:p>
@@ -1569,7 +1581,7 @@
           <a:p>
             <a:fld id="{19AB4D41-86C1-4908-B66A-0B50CEB3BF29}" type="datetimeFigureOut">
               <a:rPr lang="en-US" dirty="0"/>
-              <a:t>4/3/2017</a:t>
+              <a:t>4/4/2017</a:t>
             </a:fld>
             <a:endParaRPr lang="en-US" dirty="0"/>
           </a:p>
@@ -1943,7 +1955,7 @@
           <a:p>
             <a:fld id="{E6426E2C-56C1-4E0D-A793-0088A7FDD37E}" type="datetimeFigureOut">
               <a:rPr lang="en-US" dirty="0"/>
-              <a:t>4/3/2017</a:t>
+              <a:t>4/4/2017</a:t>
             </a:fld>
             <a:endParaRPr lang="en-US" dirty="0"/>
           </a:p>
@@ -2056,7 +2068,7 @@
           <a:p>
             <a:fld id="{C8C39B41-D8B5-4052-B551-9B5525EAA8B6}" type="datetimeFigureOut">
               <a:rPr lang="en-US" dirty="0"/>
-              <a:t>4/3/2017</a:t>
+              <a:t>4/4/2017</a:t>
             </a:fld>
             <a:endParaRPr lang="en-US" dirty="0"/>
           </a:p>
@@ -2222,7 +2234,7 @@
           <a:p>
             <a:fld id="{4D94136C-8742-45B2-AF27-D93DF72833A9}" type="datetimeFigureOut">
               <a:rPr lang="en-US" dirty="0"/>
-              <a:t>4/3/2017</a:t>
+              <a:t>4/4/2017</a:t>
             </a:fld>
             <a:endParaRPr lang="en-US" dirty="0"/>
           </a:p>
@@ -2572,7 +2584,7 @@
           <a:p>
             <a:fld id="{32ABBEA6-7C60-4B02-AE87-00D78D8422AF}" type="datetimeFigureOut">
               <a:rPr lang="en-US" dirty="0"/>
-              <a:t>4/3/2017</a:t>
+              <a:t>4/4/2017</a:t>
             </a:fld>
             <a:endParaRPr lang="en-US" dirty="0"/>
           </a:p>
@@ -2950,7 +2962,7 @@
           <a:p>
             <a:fld id="{C9CAD897-D46E-4AD2-BD9B-49DD3E640873}" type="datetimeFigureOut">
               <a:rPr lang="en-US" dirty="0"/>
-              <a:t>4/3/2017</a:t>
+              <a:t>4/4/2017</a:t>
             </a:fld>
             <a:endParaRPr lang="en-US" dirty="0"/>
           </a:p>
@@ -3232,7 +3244,7 @@
           <a:p>
             <a:fld id="{98624D31-43A5-475A-80CF-332C9F6DCF35}" type="datetimeFigureOut">
               <a:rPr lang="en-US" dirty="0"/>
-              <a:t>4/3/2017</a:t>
+              <a:t>4/4/2017</a:t>
             </a:fld>
             <a:endParaRPr lang="en-US" dirty="0"/>
           </a:p>
@@ -3869,6 +3881,1475 @@
 </p:sld>
 </file>
 
+<file path=ppt/slides/slide10.xml><?xml version="1.0" encoding="utf-8"?>
+<p:sld xmlns:a="http://schemas.openxmlformats.org/drawingml/2006/main" xmlns:r="http://schemas.openxmlformats.org/officeDocument/2006/relationships" xmlns:p="http://schemas.openxmlformats.org/presentationml/2006/main">
+  <p:cSld>
+    <p:spTree>
+      <p:nvGrpSpPr>
+        <p:cNvPr id="1" name=""/>
+        <p:cNvGrpSpPr/>
+        <p:nvPr/>
+      </p:nvGrpSpPr>
+      <p:grpSpPr>
+        <a:xfrm>
+          <a:off x="0" y="0"/>
+          <a:ext cx="0" cy="0"/>
+          <a:chOff x="0" y="0"/>
+          <a:chExt cx="0" cy="0"/>
+        </a:xfrm>
+      </p:grpSpPr>
+      <p:sp>
+        <p:nvSpPr>
+          <p:cNvPr id="2" name="Título 1"/>
+          <p:cNvSpPr>
+            <a:spLocks noGrp="1"/>
+          </p:cNvSpPr>
+          <p:nvPr>
+            <p:ph type="title"/>
+          </p:nvPr>
+        </p:nvSpPr>
+        <p:spPr/>
+        <p:txBody>
+          <a:bodyPr/>
+          <a:lstStyle/>
+          <a:p>
+            <a:r>
+              <a:rPr lang="pt-BR" dirty="0"/>
+              <a:t>Principais novidades da versão 4</a:t>
+            </a:r>
+          </a:p>
+        </p:txBody>
+      </p:sp>
+      <p:sp>
+        <p:nvSpPr>
+          <p:cNvPr id="3" name="Espaço Reservado para Conteúdo 2"/>
+          <p:cNvSpPr>
+            <a:spLocks noGrp="1"/>
+          </p:cNvSpPr>
+          <p:nvPr>
+            <p:ph idx="1"/>
+          </p:nvPr>
+        </p:nvSpPr>
+        <p:spPr>
+          <a:xfrm>
+            <a:off x="1097280" y="1845734"/>
+            <a:ext cx="10058400" cy="940328"/>
+          </a:xfrm>
+        </p:spPr>
+        <p:txBody>
+          <a:bodyPr/>
+          <a:lstStyle/>
+          <a:p>
+            <a:r>
+              <a:rPr lang="pt-BR" b="1" dirty="0" err="1">
+                <a:solidFill>
+                  <a:schemeClr val="accent2"/>
+                </a:solidFill>
+              </a:rPr>
+              <a:t>Pipe</a:t>
+            </a:r>
+            <a:r>
+              <a:rPr lang="pt-BR" b="1" dirty="0">
+                <a:solidFill>
+                  <a:schemeClr val="accent2"/>
+                </a:solidFill>
+              </a:rPr>
+              <a:t> </a:t>
+            </a:r>
+            <a:r>
+              <a:rPr lang="pt-BR" b="1" dirty="0" err="1">
+                <a:solidFill>
+                  <a:schemeClr val="accent2"/>
+                </a:solidFill>
+              </a:rPr>
+              <a:t>Titlecase</a:t>
+            </a:r>
+            <a:endParaRPr lang="pt-BR" b="1" dirty="0">
+              <a:solidFill>
+                <a:schemeClr val="accent2"/>
+              </a:solidFill>
+            </a:endParaRPr>
+          </a:p>
+          <a:p>
+            <a:r>
+              <a:rPr lang="pt-BR" dirty="0"/>
+              <a:t>Permite salvar um em uma variável o resultado do </a:t>
+            </a:r>
+            <a:r>
+              <a:rPr lang="pt-BR" dirty="0" err="1"/>
+              <a:t>template</a:t>
+            </a:r>
+            <a:r>
+              <a:rPr lang="pt-BR" dirty="0"/>
+              <a:t> para ser utilizado como elemento.</a:t>
+            </a:r>
+          </a:p>
+          <a:p>
+            <a:endParaRPr lang="pt-BR" dirty="0"/>
+          </a:p>
+        </p:txBody>
+      </p:sp>
+      <p:sp>
+        <p:nvSpPr>
+          <p:cNvPr id="6" name="Espaço Reservado para Conteúdo 2"/>
+          <p:cNvSpPr txBox="1">
+            <a:spLocks/>
+          </p:cNvSpPr>
+          <p:nvPr/>
+        </p:nvSpPr>
+        <p:spPr>
+          <a:xfrm>
+            <a:off x="1097280" y="3868567"/>
+            <a:ext cx="10058400" cy="940328"/>
+          </a:xfrm>
+          <a:prstGeom prst="rect">
+            <a:avLst/>
+          </a:prstGeom>
+        </p:spPr>
+        <p:txBody>
+          <a:bodyPr vert="horz" lIns="0" tIns="45720" rIns="0" bIns="45720" rtlCol="0">
+            <a:normAutofit/>
+          </a:bodyPr>
+          <a:lstStyle>
+            <a:lvl1pPr marL="91440" indent="-91440" algn="l" defTabSz="914400" rtl="0" eaLnBrk="1" latinLnBrk="0" hangingPunct="1">
+              <a:lnSpc>
+                <a:spcPct val="90000"/>
+              </a:lnSpc>
+              <a:spcBef>
+                <a:spcPts val="1200"/>
+              </a:spcBef>
+              <a:spcAft>
+                <a:spcPts val="200"/>
+              </a:spcAft>
+              <a:buClr>
+                <a:schemeClr val="accent1"/>
+              </a:buClr>
+              <a:buSzPct val="100000"/>
+              <a:buFont typeface="Calibri" panose="020F0502020204030204" pitchFamily="34" charset="0"/>
+              <a:buChar char=" "/>
+              <a:defRPr sz="2000" kern="1200">
+                <a:solidFill>
+                  <a:schemeClr val="tx1">
+                    <a:lumMod val="75000"/>
+                    <a:lumOff val="25000"/>
+                  </a:schemeClr>
+                </a:solidFill>
+                <a:latin typeface="+mn-lt"/>
+                <a:ea typeface="+mn-ea"/>
+                <a:cs typeface="+mn-cs"/>
+              </a:defRPr>
+            </a:lvl1pPr>
+            <a:lvl2pPr marL="384048" indent="-182880" algn="l" defTabSz="914400" rtl="0" eaLnBrk="1" latinLnBrk="0" hangingPunct="1">
+              <a:lnSpc>
+                <a:spcPct val="90000"/>
+              </a:lnSpc>
+              <a:spcBef>
+                <a:spcPts val="200"/>
+              </a:spcBef>
+              <a:spcAft>
+                <a:spcPts val="400"/>
+              </a:spcAft>
+              <a:buClr>
+                <a:schemeClr val="accent1"/>
+              </a:buClr>
+              <a:buFont typeface="Calibri" pitchFamily="34" charset="0"/>
+              <a:buChar char="◦"/>
+              <a:defRPr sz="1800" kern="1200">
+                <a:solidFill>
+                  <a:schemeClr val="tx1">
+                    <a:lumMod val="75000"/>
+                    <a:lumOff val="25000"/>
+                  </a:schemeClr>
+                </a:solidFill>
+                <a:latin typeface="+mn-lt"/>
+                <a:ea typeface="+mn-ea"/>
+                <a:cs typeface="+mn-cs"/>
+              </a:defRPr>
+            </a:lvl2pPr>
+            <a:lvl3pPr marL="566928" indent="-182880" algn="l" defTabSz="914400" rtl="0" eaLnBrk="1" latinLnBrk="0" hangingPunct="1">
+              <a:lnSpc>
+                <a:spcPct val="90000"/>
+              </a:lnSpc>
+              <a:spcBef>
+                <a:spcPts val="200"/>
+              </a:spcBef>
+              <a:spcAft>
+                <a:spcPts val="400"/>
+              </a:spcAft>
+              <a:buClr>
+                <a:schemeClr val="accent1"/>
+              </a:buClr>
+              <a:buFont typeface="Calibri" pitchFamily="34" charset="0"/>
+              <a:buChar char="◦"/>
+              <a:defRPr sz="1400" kern="1200">
+                <a:solidFill>
+                  <a:schemeClr val="tx1">
+                    <a:lumMod val="75000"/>
+                    <a:lumOff val="25000"/>
+                  </a:schemeClr>
+                </a:solidFill>
+                <a:latin typeface="+mn-lt"/>
+                <a:ea typeface="+mn-ea"/>
+                <a:cs typeface="+mn-cs"/>
+              </a:defRPr>
+            </a:lvl3pPr>
+            <a:lvl4pPr marL="749808" indent="-182880" algn="l" defTabSz="914400" rtl="0" eaLnBrk="1" latinLnBrk="0" hangingPunct="1">
+              <a:lnSpc>
+                <a:spcPct val="90000"/>
+              </a:lnSpc>
+              <a:spcBef>
+                <a:spcPts val="200"/>
+              </a:spcBef>
+              <a:spcAft>
+                <a:spcPts val="400"/>
+              </a:spcAft>
+              <a:buClr>
+                <a:schemeClr val="accent1"/>
+              </a:buClr>
+              <a:buFont typeface="Calibri" pitchFamily="34" charset="0"/>
+              <a:buChar char="◦"/>
+              <a:defRPr sz="1400" kern="1200">
+                <a:solidFill>
+                  <a:schemeClr val="tx1">
+                    <a:lumMod val="75000"/>
+                    <a:lumOff val="25000"/>
+                  </a:schemeClr>
+                </a:solidFill>
+                <a:latin typeface="+mn-lt"/>
+                <a:ea typeface="+mn-ea"/>
+                <a:cs typeface="+mn-cs"/>
+              </a:defRPr>
+            </a:lvl4pPr>
+            <a:lvl5pPr marL="932688" indent="-182880" algn="l" defTabSz="914400" rtl="0" eaLnBrk="1" latinLnBrk="0" hangingPunct="1">
+              <a:lnSpc>
+                <a:spcPct val="90000"/>
+              </a:lnSpc>
+              <a:spcBef>
+                <a:spcPts val="200"/>
+              </a:spcBef>
+              <a:spcAft>
+                <a:spcPts val="400"/>
+              </a:spcAft>
+              <a:buClr>
+                <a:schemeClr val="accent1"/>
+              </a:buClr>
+              <a:buFont typeface="Calibri" pitchFamily="34" charset="0"/>
+              <a:buChar char="◦"/>
+              <a:defRPr sz="1400" kern="1200">
+                <a:solidFill>
+                  <a:schemeClr val="tx1">
+                    <a:lumMod val="75000"/>
+                    <a:lumOff val="25000"/>
+                  </a:schemeClr>
+                </a:solidFill>
+                <a:latin typeface="+mn-lt"/>
+                <a:ea typeface="+mn-ea"/>
+                <a:cs typeface="+mn-cs"/>
+              </a:defRPr>
+            </a:lvl5pPr>
+            <a:lvl6pPr marL="1100000" indent="-228600" algn="l" defTabSz="914400" rtl="0" eaLnBrk="1" latinLnBrk="0" hangingPunct="1">
+              <a:lnSpc>
+                <a:spcPct val="90000"/>
+              </a:lnSpc>
+              <a:spcBef>
+                <a:spcPts val="200"/>
+              </a:spcBef>
+              <a:spcAft>
+                <a:spcPts val="400"/>
+              </a:spcAft>
+              <a:buClr>
+                <a:schemeClr val="accent1"/>
+              </a:buClr>
+              <a:buFont typeface="Calibri" pitchFamily="34" charset="0"/>
+              <a:buChar char="◦"/>
+              <a:defRPr sz="1400" kern="1200">
+                <a:solidFill>
+                  <a:schemeClr val="tx1">
+                    <a:lumMod val="75000"/>
+                    <a:lumOff val="25000"/>
+                  </a:schemeClr>
+                </a:solidFill>
+                <a:latin typeface="+mn-lt"/>
+                <a:ea typeface="+mn-ea"/>
+                <a:cs typeface="+mn-cs"/>
+              </a:defRPr>
+            </a:lvl6pPr>
+            <a:lvl7pPr marL="1300000" indent="-228600" algn="l" defTabSz="914400" rtl="0" eaLnBrk="1" latinLnBrk="0" hangingPunct="1">
+              <a:lnSpc>
+                <a:spcPct val="90000"/>
+              </a:lnSpc>
+              <a:spcBef>
+                <a:spcPts val="200"/>
+              </a:spcBef>
+              <a:spcAft>
+                <a:spcPts val="400"/>
+              </a:spcAft>
+              <a:buClr>
+                <a:schemeClr val="accent1"/>
+              </a:buClr>
+              <a:buFont typeface="Calibri" pitchFamily="34" charset="0"/>
+              <a:buChar char="◦"/>
+              <a:defRPr sz="1400" kern="1200">
+                <a:solidFill>
+                  <a:schemeClr val="tx1">
+                    <a:lumMod val="75000"/>
+                    <a:lumOff val="25000"/>
+                  </a:schemeClr>
+                </a:solidFill>
+                <a:latin typeface="+mn-lt"/>
+                <a:ea typeface="+mn-ea"/>
+                <a:cs typeface="+mn-cs"/>
+              </a:defRPr>
+            </a:lvl7pPr>
+            <a:lvl8pPr marL="1500000" indent="-228600" algn="l" defTabSz="914400" rtl="0" eaLnBrk="1" latinLnBrk="0" hangingPunct="1">
+              <a:lnSpc>
+                <a:spcPct val="90000"/>
+              </a:lnSpc>
+              <a:spcBef>
+                <a:spcPts val="200"/>
+              </a:spcBef>
+              <a:spcAft>
+                <a:spcPts val="400"/>
+              </a:spcAft>
+              <a:buClr>
+                <a:schemeClr val="accent1"/>
+              </a:buClr>
+              <a:buFont typeface="Calibri" pitchFamily="34" charset="0"/>
+              <a:buChar char="◦"/>
+              <a:defRPr sz="1400" kern="1200">
+                <a:solidFill>
+                  <a:schemeClr val="tx1">
+                    <a:lumMod val="75000"/>
+                    <a:lumOff val="25000"/>
+                  </a:schemeClr>
+                </a:solidFill>
+                <a:latin typeface="+mn-lt"/>
+                <a:ea typeface="+mn-ea"/>
+                <a:cs typeface="+mn-cs"/>
+              </a:defRPr>
+            </a:lvl8pPr>
+            <a:lvl9pPr marL="1700000" indent="-228600" algn="l" defTabSz="914400" rtl="0" eaLnBrk="1" latinLnBrk="0" hangingPunct="1">
+              <a:lnSpc>
+                <a:spcPct val="90000"/>
+              </a:lnSpc>
+              <a:spcBef>
+                <a:spcPts val="200"/>
+              </a:spcBef>
+              <a:spcAft>
+                <a:spcPts val="400"/>
+              </a:spcAft>
+              <a:buClr>
+                <a:schemeClr val="accent1"/>
+              </a:buClr>
+              <a:buFont typeface="Calibri" pitchFamily="34" charset="0"/>
+              <a:buChar char="◦"/>
+              <a:defRPr sz="1400" kern="1200">
+                <a:solidFill>
+                  <a:schemeClr val="tx1">
+                    <a:lumMod val="75000"/>
+                    <a:lumOff val="25000"/>
+                  </a:schemeClr>
+                </a:solidFill>
+                <a:latin typeface="+mn-lt"/>
+                <a:ea typeface="+mn-ea"/>
+                <a:cs typeface="+mn-cs"/>
+              </a:defRPr>
+            </a:lvl9pPr>
+          </a:lstStyle>
+          <a:p>
+            <a:r>
+              <a:rPr lang="pt-BR" b="1" dirty="0">
+                <a:solidFill>
+                  <a:schemeClr val="accent2"/>
+                </a:solidFill>
+              </a:rPr>
+              <a:t>Http</a:t>
+            </a:r>
+          </a:p>
+          <a:p>
+            <a:r>
+              <a:rPr lang="pt-BR" dirty="0" err="1"/>
+              <a:t>Paramêtros</a:t>
+            </a:r>
+            <a:r>
+              <a:rPr lang="pt-BR" dirty="0"/>
+              <a:t> de </a:t>
+            </a:r>
+            <a:r>
+              <a:rPr lang="pt-BR" dirty="0" err="1"/>
+              <a:t>requests</a:t>
+            </a:r>
+            <a:r>
+              <a:rPr lang="pt-BR" dirty="0"/>
+              <a:t> Https são mais simplificados</a:t>
+            </a:r>
+          </a:p>
+          <a:p>
+            <a:endParaRPr lang="pt-BR" dirty="0"/>
+          </a:p>
+        </p:txBody>
+      </p:sp>
+      <p:pic>
+        <p:nvPicPr>
+          <p:cNvPr id="7" name="Imagem 6"/>
+          <p:cNvPicPr>
+            <a:picLocks noChangeAspect="1"/>
+          </p:cNvPicPr>
+          <p:nvPr/>
+        </p:nvPicPr>
+        <p:blipFill>
+          <a:blip r:embed="rId2"/>
+          <a:stretch>
+            <a:fillRect/>
+          </a:stretch>
+        </p:blipFill>
+        <p:spPr>
+          <a:xfrm>
+            <a:off x="2243889" y="2655814"/>
+            <a:ext cx="7302667" cy="1023304"/>
+          </a:xfrm>
+          <a:prstGeom prst="rect">
+            <a:avLst/>
+          </a:prstGeom>
+        </p:spPr>
+      </p:pic>
+      <p:pic>
+        <p:nvPicPr>
+          <p:cNvPr id="9" name="Imagem 8"/>
+          <p:cNvPicPr>
+            <a:picLocks noChangeAspect="1"/>
+          </p:cNvPicPr>
+          <p:nvPr/>
+        </p:nvPicPr>
+        <p:blipFill>
+          <a:blip r:embed="rId3"/>
+          <a:stretch>
+            <a:fillRect/>
+          </a:stretch>
+        </p:blipFill>
+        <p:spPr>
+          <a:xfrm>
+            <a:off x="1097280" y="4998344"/>
+            <a:ext cx="10395285" cy="438465"/>
+          </a:xfrm>
+          <a:prstGeom prst="rect">
+            <a:avLst/>
+          </a:prstGeom>
+        </p:spPr>
+      </p:pic>
+    </p:spTree>
+    <p:extLst>
+      <p:ext uri="{BB962C8B-B14F-4D97-AF65-F5344CB8AC3E}">
+        <p14:creationId xmlns:p14="http://schemas.microsoft.com/office/powerpoint/2010/main" val="1155068857"/>
+      </p:ext>
+    </p:extLst>
+  </p:cSld>
+  <p:clrMapOvr>
+    <a:masterClrMapping/>
+  </p:clrMapOvr>
+</p:sld>
+</file>
+
+<file path=ppt/slides/slide11.xml><?xml version="1.0" encoding="utf-8"?>
+<p:sld xmlns:a="http://schemas.openxmlformats.org/drawingml/2006/main" xmlns:r="http://schemas.openxmlformats.org/officeDocument/2006/relationships" xmlns:p="http://schemas.openxmlformats.org/presentationml/2006/main">
+  <p:cSld>
+    <p:spTree>
+      <p:nvGrpSpPr>
+        <p:cNvPr id="1" name=""/>
+        <p:cNvGrpSpPr/>
+        <p:nvPr/>
+      </p:nvGrpSpPr>
+      <p:grpSpPr>
+        <a:xfrm>
+          <a:off x="0" y="0"/>
+          <a:ext cx="0" cy="0"/>
+          <a:chOff x="0" y="0"/>
+          <a:chExt cx="0" cy="0"/>
+        </a:xfrm>
+      </p:grpSpPr>
+      <p:sp>
+        <p:nvSpPr>
+          <p:cNvPr id="2" name="Título 1"/>
+          <p:cNvSpPr>
+            <a:spLocks noGrp="1"/>
+          </p:cNvSpPr>
+          <p:nvPr>
+            <p:ph type="title"/>
+          </p:nvPr>
+        </p:nvSpPr>
+        <p:spPr/>
+        <p:txBody>
+          <a:bodyPr/>
+          <a:lstStyle/>
+          <a:p>
+            <a:r>
+              <a:rPr lang="pt-BR" dirty="0"/>
+              <a:t>Principais novidades da versão 4</a:t>
+            </a:r>
+          </a:p>
+        </p:txBody>
+      </p:sp>
+      <p:sp>
+        <p:nvSpPr>
+          <p:cNvPr id="3" name="Espaço Reservado para Conteúdo 2"/>
+          <p:cNvSpPr>
+            <a:spLocks noGrp="1"/>
+          </p:cNvSpPr>
+          <p:nvPr>
+            <p:ph idx="1"/>
+          </p:nvPr>
+        </p:nvSpPr>
+        <p:spPr>
+          <a:xfrm>
+            <a:off x="1097280" y="1845734"/>
+            <a:ext cx="10058400" cy="940328"/>
+          </a:xfrm>
+        </p:spPr>
+        <p:txBody>
+          <a:bodyPr/>
+          <a:lstStyle/>
+          <a:p>
+            <a:r>
+              <a:rPr lang="pt-BR" b="1" dirty="0">
+                <a:solidFill>
+                  <a:schemeClr val="accent2"/>
+                </a:solidFill>
+              </a:rPr>
+              <a:t>Serviço Meta</a:t>
+            </a:r>
+          </a:p>
+          <a:p>
+            <a:r>
+              <a:rPr lang="pt-BR" dirty="0"/>
+              <a:t>A nova funcionalidade permite adicionar novas meta </a:t>
+            </a:r>
+            <a:r>
+              <a:rPr lang="pt-BR" dirty="0" err="1"/>
+              <a:t>tags</a:t>
+            </a:r>
+            <a:r>
+              <a:rPr lang="pt-BR" dirty="0"/>
+              <a:t>.</a:t>
+            </a:r>
+          </a:p>
+          <a:p>
+            <a:endParaRPr lang="pt-BR" dirty="0"/>
+          </a:p>
+        </p:txBody>
+      </p:sp>
+      <p:sp>
+        <p:nvSpPr>
+          <p:cNvPr id="6" name="Espaço Reservado para Conteúdo 2"/>
+          <p:cNvSpPr txBox="1">
+            <a:spLocks/>
+          </p:cNvSpPr>
+          <p:nvPr/>
+        </p:nvSpPr>
+        <p:spPr>
+          <a:xfrm>
+            <a:off x="1097280" y="4494208"/>
+            <a:ext cx="4565583" cy="1606817"/>
+          </a:xfrm>
+          <a:prstGeom prst="rect">
+            <a:avLst/>
+          </a:prstGeom>
+        </p:spPr>
+        <p:txBody>
+          <a:bodyPr vert="horz" lIns="0" tIns="45720" rIns="0" bIns="45720" rtlCol="0">
+            <a:normAutofit/>
+          </a:bodyPr>
+          <a:lstStyle>
+            <a:lvl1pPr marL="91440" indent="-91440" algn="l" defTabSz="914400" rtl="0" eaLnBrk="1" latinLnBrk="0" hangingPunct="1">
+              <a:lnSpc>
+                <a:spcPct val="90000"/>
+              </a:lnSpc>
+              <a:spcBef>
+                <a:spcPts val="1200"/>
+              </a:spcBef>
+              <a:spcAft>
+                <a:spcPts val="200"/>
+              </a:spcAft>
+              <a:buClr>
+                <a:schemeClr val="accent1"/>
+              </a:buClr>
+              <a:buSzPct val="100000"/>
+              <a:buFont typeface="Calibri" panose="020F0502020204030204" pitchFamily="34" charset="0"/>
+              <a:buChar char=" "/>
+              <a:defRPr sz="2000" kern="1200">
+                <a:solidFill>
+                  <a:schemeClr val="tx1">
+                    <a:lumMod val="75000"/>
+                    <a:lumOff val="25000"/>
+                  </a:schemeClr>
+                </a:solidFill>
+                <a:latin typeface="+mn-lt"/>
+                <a:ea typeface="+mn-ea"/>
+                <a:cs typeface="+mn-cs"/>
+              </a:defRPr>
+            </a:lvl1pPr>
+            <a:lvl2pPr marL="384048" indent="-182880" algn="l" defTabSz="914400" rtl="0" eaLnBrk="1" latinLnBrk="0" hangingPunct="1">
+              <a:lnSpc>
+                <a:spcPct val="90000"/>
+              </a:lnSpc>
+              <a:spcBef>
+                <a:spcPts val="200"/>
+              </a:spcBef>
+              <a:spcAft>
+                <a:spcPts val="400"/>
+              </a:spcAft>
+              <a:buClr>
+                <a:schemeClr val="accent1"/>
+              </a:buClr>
+              <a:buFont typeface="Calibri" pitchFamily="34" charset="0"/>
+              <a:buChar char="◦"/>
+              <a:defRPr sz="1800" kern="1200">
+                <a:solidFill>
+                  <a:schemeClr val="tx1">
+                    <a:lumMod val="75000"/>
+                    <a:lumOff val="25000"/>
+                  </a:schemeClr>
+                </a:solidFill>
+                <a:latin typeface="+mn-lt"/>
+                <a:ea typeface="+mn-ea"/>
+                <a:cs typeface="+mn-cs"/>
+              </a:defRPr>
+            </a:lvl2pPr>
+            <a:lvl3pPr marL="566928" indent="-182880" algn="l" defTabSz="914400" rtl="0" eaLnBrk="1" latinLnBrk="0" hangingPunct="1">
+              <a:lnSpc>
+                <a:spcPct val="90000"/>
+              </a:lnSpc>
+              <a:spcBef>
+                <a:spcPts val="200"/>
+              </a:spcBef>
+              <a:spcAft>
+                <a:spcPts val="400"/>
+              </a:spcAft>
+              <a:buClr>
+                <a:schemeClr val="accent1"/>
+              </a:buClr>
+              <a:buFont typeface="Calibri" pitchFamily="34" charset="0"/>
+              <a:buChar char="◦"/>
+              <a:defRPr sz="1400" kern="1200">
+                <a:solidFill>
+                  <a:schemeClr val="tx1">
+                    <a:lumMod val="75000"/>
+                    <a:lumOff val="25000"/>
+                  </a:schemeClr>
+                </a:solidFill>
+                <a:latin typeface="+mn-lt"/>
+                <a:ea typeface="+mn-ea"/>
+                <a:cs typeface="+mn-cs"/>
+              </a:defRPr>
+            </a:lvl3pPr>
+            <a:lvl4pPr marL="749808" indent="-182880" algn="l" defTabSz="914400" rtl="0" eaLnBrk="1" latinLnBrk="0" hangingPunct="1">
+              <a:lnSpc>
+                <a:spcPct val="90000"/>
+              </a:lnSpc>
+              <a:spcBef>
+                <a:spcPts val="200"/>
+              </a:spcBef>
+              <a:spcAft>
+                <a:spcPts val="400"/>
+              </a:spcAft>
+              <a:buClr>
+                <a:schemeClr val="accent1"/>
+              </a:buClr>
+              <a:buFont typeface="Calibri" pitchFamily="34" charset="0"/>
+              <a:buChar char="◦"/>
+              <a:defRPr sz="1400" kern="1200">
+                <a:solidFill>
+                  <a:schemeClr val="tx1">
+                    <a:lumMod val="75000"/>
+                    <a:lumOff val="25000"/>
+                  </a:schemeClr>
+                </a:solidFill>
+                <a:latin typeface="+mn-lt"/>
+                <a:ea typeface="+mn-ea"/>
+                <a:cs typeface="+mn-cs"/>
+              </a:defRPr>
+            </a:lvl4pPr>
+            <a:lvl5pPr marL="932688" indent="-182880" algn="l" defTabSz="914400" rtl="0" eaLnBrk="1" latinLnBrk="0" hangingPunct="1">
+              <a:lnSpc>
+                <a:spcPct val="90000"/>
+              </a:lnSpc>
+              <a:spcBef>
+                <a:spcPts val="200"/>
+              </a:spcBef>
+              <a:spcAft>
+                <a:spcPts val="400"/>
+              </a:spcAft>
+              <a:buClr>
+                <a:schemeClr val="accent1"/>
+              </a:buClr>
+              <a:buFont typeface="Calibri" pitchFamily="34" charset="0"/>
+              <a:buChar char="◦"/>
+              <a:defRPr sz="1400" kern="1200">
+                <a:solidFill>
+                  <a:schemeClr val="tx1">
+                    <a:lumMod val="75000"/>
+                    <a:lumOff val="25000"/>
+                  </a:schemeClr>
+                </a:solidFill>
+                <a:latin typeface="+mn-lt"/>
+                <a:ea typeface="+mn-ea"/>
+                <a:cs typeface="+mn-cs"/>
+              </a:defRPr>
+            </a:lvl5pPr>
+            <a:lvl6pPr marL="1100000" indent="-228600" algn="l" defTabSz="914400" rtl="0" eaLnBrk="1" latinLnBrk="0" hangingPunct="1">
+              <a:lnSpc>
+                <a:spcPct val="90000"/>
+              </a:lnSpc>
+              <a:spcBef>
+                <a:spcPts val="200"/>
+              </a:spcBef>
+              <a:spcAft>
+                <a:spcPts val="400"/>
+              </a:spcAft>
+              <a:buClr>
+                <a:schemeClr val="accent1"/>
+              </a:buClr>
+              <a:buFont typeface="Calibri" pitchFamily="34" charset="0"/>
+              <a:buChar char="◦"/>
+              <a:defRPr sz="1400" kern="1200">
+                <a:solidFill>
+                  <a:schemeClr val="tx1">
+                    <a:lumMod val="75000"/>
+                    <a:lumOff val="25000"/>
+                  </a:schemeClr>
+                </a:solidFill>
+                <a:latin typeface="+mn-lt"/>
+                <a:ea typeface="+mn-ea"/>
+                <a:cs typeface="+mn-cs"/>
+              </a:defRPr>
+            </a:lvl6pPr>
+            <a:lvl7pPr marL="1300000" indent="-228600" algn="l" defTabSz="914400" rtl="0" eaLnBrk="1" latinLnBrk="0" hangingPunct="1">
+              <a:lnSpc>
+                <a:spcPct val="90000"/>
+              </a:lnSpc>
+              <a:spcBef>
+                <a:spcPts val="200"/>
+              </a:spcBef>
+              <a:spcAft>
+                <a:spcPts val="400"/>
+              </a:spcAft>
+              <a:buClr>
+                <a:schemeClr val="accent1"/>
+              </a:buClr>
+              <a:buFont typeface="Calibri" pitchFamily="34" charset="0"/>
+              <a:buChar char="◦"/>
+              <a:defRPr sz="1400" kern="1200">
+                <a:solidFill>
+                  <a:schemeClr val="tx1">
+                    <a:lumMod val="75000"/>
+                    <a:lumOff val="25000"/>
+                  </a:schemeClr>
+                </a:solidFill>
+                <a:latin typeface="+mn-lt"/>
+                <a:ea typeface="+mn-ea"/>
+                <a:cs typeface="+mn-cs"/>
+              </a:defRPr>
+            </a:lvl7pPr>
+            <a:lvl8pPr marL="1500000" indent="-228600" algn="l" defTabSz="914400" rtl="0" eaLnBrk="1" latinLnBrk="0" hangingPunct="1">
+              <a:lnSpc>
+                <a:spcPct val="90000"/>
+              </a:lnSpc>
+              <a:spcBef>
+                <a:spcPts val="200"/>
+              </a:spcBef>
+              <a:spcAft>
+                <a:spcPts val="400"/>
+              </a:spcAft>
+              <a:buClr>
+                <a:schemeClr val="accent1"/>
+              </a:buClr>
+              <a:buFont typeface="Calibri" pitchFamily="34" charset="0"/>
+              <a:buChar char="◦"/>
+              <a:defRPr sz="1400" kern="1200">
+                <a:solidFill>
+                  <a:schemeClr val="tx1">
+                    <a:lumMod val="75000"/>
+                    <a:lumOff val="25000"/>
+                  </a:schemeClr>
+                </a:solidFill>
+                <a:latin typeface="+mn-lt"/>
+                <a:ea typeface="+mn-ea"/>
+                <a:cs typeface="+mn-cs"/>
+              </a:defRPr>
+            </a:lvl8pPr>
+            <a:lvl9pPr marL="1700000" indent="-228600" algn="l" defTabSz="914400" rtl="0" eaLnBrk="1" latinLnBrk="0" hangingPunct="1">
+              <a:lnSpc>
+                <a:spcPct val="90000"/>
+              </a:lnSpc>
+              <a:spcBef>
+                <a:spcPts val="200"/>
+              </a:spcBef>
+              <a:spcAft>
+                <a:spcPts val="400"/>
+              </a:spcAft>
+              <a:buClr>
+                <a:schemeClr val="accent1"/>
+              </a:buClr>
+              <a:buFont typeface="Calibri" pitchFamily="34" charset="0"/>
+              <a:buChar char="◦"/>
+              <a:defRPr sz="1400" kern="1200">
+                <a:solidFill>
+                  <a:schemeClr val="tx1">
+                    <a:lumMod val="75000"/>
+                    <a:lumOff val="25000"/>
+                  </a:schemeClr>
+                </a:solidFill>
+                <a:latin typeface="+mn-lt"/>
+                <a:ea typeface="+mn-ea"/>
+                <a:cs typeface="+mn-cs"/>
+              </a:defRPr>
+            </a:lvl9pPr>
+          </a:lstStyle>
+          <a:p>
+            <a:r>
+              <a:rPr lang="pt-BR" b="1" dirty="0" err="1">
+                <a:solidFill>
+                  <a:schemeClr val="accent2"/>
+                </a:solidFill>
+              </a:rPr>
+              <a:t>Roadmap</a:t>
+            </a:r>
+            <a:endParaRPr lang="pt-BR" b="1" dirty="0">
+              <a:solidFill>
+                <a:schemeClr val="accent2"/>
+              </a:solidFill>
+            </a:endParaRPr>
+          </a:p>
+          <a:p>
+            <a:r>
+              <a:rPr lang="pt-BR" dirty="0"/>
+              <a:t>Até o fim de 2017 será lançado o Angular 5 e em 2018 Angular 6</a:t>
+            </a:r>
+          </a:p>
+          <a:p>
+            <a:endParaRPr lang="pt-BR" dirty="0"/>
+          </a:p>
+        </p:txBody>
+      </p:sp>
+      <p:pic>
+        <p:nvPicPr>
+          <p:cNvPr id="4" name="Imagem 3"/>
+          <p:cNvPicPr>
+            <a:picLocks noChangeAspect="1"/>
+          </p:cNvPicPr>
+          <p:nvPr/>
+        </p:nvPicPr>
+        <p:blipFill>
+          <a:blip r:embed="rId2"/>
+          <a:stretch>
+            <a:fillRect/>
+          </a:stretch>
+        </p:blipFill>
+        <p:spPr>
+          <a:xfrm>
+            <a:off x="2192153" y="2786062"/>
+            <a:ext cx="7096225" cy="933714"/>
+          </a:xfrm>
+          <a:prstGeom prst="rect">
+            <a:avLst/>
+          </a:prstGeom>
+        </p:spPr>
+      </p:pic>
+      <p:pic>
+        <p:nvPicPr>
+          <p:cNvPr id="8" name="Imagem 7"/>
+          <p:cNvPicPr>
+            <a:picLocks noChangeAspect="1"/>
+          </p:cNvPicPr>
+          <p:nvPr/>
+        </p:nvPicPr>
+        <p:blipFill>
+          <a:blip r:embed="rId3"/>
+          <a:stretch>
+            <a:fillRect/>
+          </a:stretch>
+        </p:blipFill>
+        <p:spPr>
+          <a:xfrm>
+            <a:off x="6907128" y="3848113"/>
+            <a:ext cx="4762500" cy="2381250"/>
+          </a:xfrm>
+          <a:prstGeom prst="rect">
+            <a:avLst/>
+          </a:prstGeom>
+        </p:spPr>
+      </p:pic>
+    </p:spTree>
+    <p:extLst>
+      <p:ext uri="{BB962C8B-B14F-4D97-AF65-F5344CB8AC3E}">
+        <p14:creationId xmlns:p14="http://schemas.microsoft.com/office/powerpoint/2010/main" val="987485469"/>
+      </p:ext>
+    </p:extLst>
+  </p:cSld>
+  <p:clrMapOvr>
+    <a:masterClrMapping/>
+  </p:clrMapOvr>
+</p:sld>
+</file>
+
+<file path=ppt/slides/slide12.xml><?xml version="1.0" encoding="utf-8"?>
+<p:sld xmlns:a="http://schemas.openxmlformats.org/drawingml/2006/main" xmlns:r="http://schemas.openxmlformats.org/officeDocument/2006/relationships" xmlns:p="http://schemas.openxmlformats.org/presentationml/2006/main">
+  <p:cSld>
+    <p:spTree>
+      <p:nvGrpSpPr>
+        <p:cNvPr id="1" name=""/>
+        <p:cNvGrpSpPr/>
+        <p:nvPr/>
+      </p:nvGrpSpPr>
+      <p:grpSpPr>
+        <a:xfrm>
+          <a:off x="0" y="0"/>
+          <a:ext cx="0" cy="0"/>
+          <a:chOff x="0" y="0"/>
+          <a:chExt cx="0" cy="0"/>
+        </a:xfrm>
+      </p:grpSpPr>
+      <p:sp>
+        <p:nvSpPr>
+          <p:cNvPr id="49" name="Rectangle 14"/>
+          <p:cNvSpPr>
+            <a:spLocks noGrp="1" noRot="1" noChangeAspect="1" noMove="1" noResize="1" noEditPoints="1" noAdjustHandles="1" noChangeArrowheads="1" noChangeShapeType="1" noTextEdit="1"/>
+          </p:cNvSpPr>
+          <p:nvPr>
+            <p:extLst>
+              <p:ext uri="{386F3935-93C4-4BCD-93E2-E3B085C9AB24}">
+                <p16:designElem xmlns:p16="http://schemas.microsoft.com/office/powerpoint/2015/main" val="1"/>
+              </p:ext>
+            </p:extLst>
+          </p:nvPr>
+        </p:nvSpPr>
+        <p:spPr bwMode="white">
+          <a:xfrm>
+            <a:off x="0" y="0"/>
+            <a:ext cx="12192000" cy="6858000"/>
+          </a:xfrm>
+          <a:prstGeom prst="rect">
+            <a:avLst/>
+          </a:prstGeom>
+          <a:solidFill>
+            <a:schemeClr val="bg1"/>
+          </a:solidFill>
+          <a:ln>
+            <a:noFill/>
+          </a:ln>
+          <a:effectLst/>
+        </p:spPr>
+      </p:sp>
+      <p:sp>
+        <p:nvSpPr>
+          <p:cNvPr id="50" name="Rectangle 16"/>
+          <p:cNvSpPr>
+            <a:spLocks noGrp="1" noRot="1" noChangeAspect="1" noMove="1" noResize="1" noEditPoints="1" noAdjustHandles="1" noChangeArrowheads="1" noChangeShapeType="1" noTextEdit="1"/>
+          </p:cNvSpPr>
+          <p:nvPr>
+            <p:extLst>
+              <p:ext uri="{386F3935-93C4-4BCD-93E2-E3B085C9AB24}">
+                <p16:designElem xmlns:p16="http://schemas.microsoft.com/office/powerpoint/2015/main" val="1"/>
+              </p:ext>
+            </p:extLst>
+          </p:nvPr>
+        </p:nvSpPr>
+        <p:spPr>
+          <a:xfrm>
+            <a:off x="3175" y="6400800"/>
+            <a:ext cx="12188825" cy="457200"/>
+          </a:xfrm>
+          <a:prstGeom prst="rect">
+            <a:avLst/>
+          </a:prstGeom>
+          <a:solidFill>
+            <a:schemeClr val="accent2"/>
+          </a:solidFill>
+          <a:ln>
+            <a:noFill/>
+          </a:ln>
+        </p:spPr>
+        <p:style>
+          <a:lnRef idx="2">
+            <a:schemeClr val="accent1">
+              <a:shade val="50000"/>
+            </a:schemeClr>
+          </a:lnRef>
+          <a:fillRef idx="1">
+            <a:schemeClr val="accent1"/>
+          </a:fillRef>
+          <a:effectRef idx="0">
+            <a:schemeClr val="accent1"/>
+          </a:effectRef>
+          <a:fontRef idx="minor">
+            <a:schemeClr val="lt1"/>
+          </a:fontRef>
+        </p:style>
+      </p:sp>
+      <p:sp>
+        <p:nvSpPr>
+          <p:cNvPr id="51" name="Rectangle 18"/>
+          <p:cNvSpPr>
+            <a:spLocks noGrp="1" noRot="1" noChangeAspect="1" noMove="1" noResize="1" noEditPoints="1" noAdjustHandles="1" noChangeArrowheads="1" noChangeShapeType="1" noTextEdit="1"/>
+          </p:cNvSpPr>
+          <p:nvPr>
+            <p:extLst>
+              <p:ext uri="{386F3935-93C4-4BCD-93E2-E3B085C9AB24}">
+                <p16:designElem xmlns:p16="http://schemas.microsoft.com/office/powerpoint/2015/main" val="1"/>
+              </p:ext>
+            </p:extLst>
+          </p:nvPr>
+        </p:nvSpPr>
+        <p:spPr>
+          <a:xfrm>
+            <a:off x="15" y="6334316"/>
+            <a:ext cx="12188825" cy="64008"/>
+          </a:xfrm>
+          <a:prstGeom prst="rect">
+            <a:avLst/>
+          </a:prstGeom>
+          <a:solidFill>
+            <a:schemeClr val="accent1"/>
+          </a:solidFill>
+          <a:ln>
+            <a:noFill/>
+          </a:ln>
+        </p:spPr>
+        <p:style>
+          <a:lnRef idx="2">
+            <a:schemeClr val="accent1">
+              <a:shade val="50000"/>
+            </a:schemeClr>
+          </a:lnRef>
+          <a:fillRef idx="1">
+            <a:schemeClr val="accent1"/>
+          </a:fillRef>
+          <a:effectRef idx="0">
+            <a:schemeClr val="accent1"/>
+          </a:effectRef>
+          <a:fontRef idx="minor">
+            <a:schemeClr val="lt1"/>
+          </a:fontRef>
+        </p:style>
+      </p:sp>
+      <p:cxnSp>
+        <p:nvCxnSpPr>
+          <p:cNvPr id="52" name="Straight Connector 20"/>
+          <p:cNvCxnSpPr>
+            <a:cxnSpLocks noGrp="1" noRot="1" noChangeAspect="1" noMove="1" noResize="1" noEditPoints="1" noAdjustHandles="1" noChangeArrowheads="1" noChangeShapeType="1"/>
+          </p:cNvCxnSpPr>
+          <p:nvPr>
+            <p:extLst>
+              <p:ext uri="{386F3935-93C4-4BCD-93E2-E3B085C9AB24}">
+                <p16:designElem xmlns:p16="http://schemas.microsoft.com/office/powerpoint/2015/main" val="1"/>
+              </p:ext>
+            </p:extLst>
+          </p:nvPr>
+        </p:nvCxnSpPr>
+        <p:spPr>
+          <a:xfrm>
+            <a:off x="1207658" y="4343400"/>
+            <a:ext cx="9875520" cy="0"/>
+          </a:xfrm>
+          <a:prstGeom prst="line">
+            <a:avLst/>
+          </a:prstGeom>
+          <a:ln w="6350">
+            <a:solidFill>
+              <a:schemeClr val="tx1">
+                <a:lumMod val="50000"/>
+                <a:lumOff val="50000"/>
+              </a:schemeClr>
+            </a:solidFill>
+          </a:ln>
+        </p:spPr>
+        <p:style>
+          <a:lnRef idx="1">
+            <a:schemeClr val="accent1"/>
+          </a:lnRef>
+          <a:fillRef idx="0">
+            <a:schemeClr val="accent1"/>
+          </a:fillRef>
+          <a:effectRef idx="0">
+            <a:schemeClr val="accent1"/>
+          </a:effectRef>
+          <a:fontRef idx="minor">
+            <a:schemeClr val="tx1"/>
+          </a:fontRef>
+        </p:style>
+      </p:cxnSp>
+      <p:pic>
+        <p:nvPicPr>
+          <p:cNvPr id="11" name="Imagem 10"/>
+          <p:cNvPicPr>
+            <a:picLocks noChangeAspect="1"/>
+          </p:cNvPicPr>
+          <p:nvPr/>
+        </p:nvPicPr>
+        <p:blipFill rotWithShape="1">
+          <a:blip r:embed="rId2">
+            <a:duotone>
+              <a:schemeClr val="bg2">
+                <a:shade val="45000"/>
+                <a:satMod val="135000"/>
+              </a:schemeClr>
+              <a:prstClr val="white"/>
+            </a:duotone>
+            <a:alphaModFix amt="35000"/>
+            <a:extLst/>
+          </a:blip>
+          <a:srcRect r="9777" b="-1"/>
+          <a:stretch/>
+        </p:blipFill>
+        <p:spPr>
+          <a:xfrm>
+            <a:off x="20" y="10"/>
+            <a:ext cx="12191980" cy="6857990"/>
+          </a:xfrm>
+          <a:prstGeom prst="rect">
+            <a:avLst/>
+          </a:prstGeom>
+        </p:spPr>
+      </p:pic>
+      <p:sp>
+        <p:nvSpPr>
+          <p:cNvPr id="53" name="Rectangle 22"/>
+          <p:cNvSpPr>
+            <a:spLocks noGrp="1" noRot="1" noChangeAspect="1" noMove="1" noResize="1" noEditPoints="1" noAdjustHandles="1" noChangeArrowheads="1" noChangeShapeType="1" noTextEdit="1"/>
+          </p:cNvSpPr>
+          <p:nvPr>
+            <p:extLst>
+              <p:ext uri="{386F3935-93C4-4BCD-93E2-E3B085C9AB24}">
+                <p16:designElem xmlns:p16="http://schemas.microsoft.com/office/powerpoint/2015/main" val="1"/>
+              </p:ext>
+            </p:extLst>
+          </p:nvPr>
+        </p:nvSpPr>
+        <p:spPr>
+          <a:xfrm>
+            <a:off x="1" y="6400800"/>
+            <a:ext cx="12192000" cy="457200"/>
+          </a:xfrm>
+          <a:prstGeom prst="rect">
+            <a:avLst/>
+          </a:prstGeom>
+          <a:solidFill>
+            <a:schemeClr val="accent2"/>
+          </a:solidFill>
+          <a:ln>
+            <a:noFill/>
+          </a:ln>
+        </p:spPr>
+        <p:style>
+          <a:lnRef idx="2">
+            <a:schemeClr val="accent1">
+              <a:shade val="50000"/>
+            </a:schemeClr>
+          </a:lnRef>
+          <a:fillRef idx="1">
+            <a:schemeClr val="accent1"/>
+          </a:fillRef>
+          <a:effectRef idx="0">
+            <a:schemeClr val="accent1"/>
+          </a:effectRef>
+          <a:fontRef idx="minor">
+            <a:schemeClr val="lt1"/>
+          </a:fontRef>
+        </p:style>
+      </p:sp>
+      <p:sp>
+        <p:nvSpPr>
+          <p:cNvPr id="54" name="Rectangle 24"/>
+          <p:cNvSpPr>
+            <a:spLocks noGrp="1" noRot="1" noChangeAspect="1" noMove="1" noResize="1" noEditPoints="1" noAdjustHandles="1" noChangeArrowheads="1" noChangeShapeType="1" noTextEdit="1"/>
+          </p:cNvSpPr>
+          <p:nvPr>
+            <p:extLst>
+              <p:ext uri="{386F3935-93C4-4BCD-93E2-E3B085C9AB24}">
+                <p16:designElem xmlns:p16="http://schemas.microsoft.com/office/powerpoint/2015/main" val="1"/>
+              </p:ext>
+            </p:extLst>
+          </p:nvPr>
+        </p:nvSpPr>
+        <p:spPr>
+          <a:xfrm>
+            <a:off x="15" y="6334316"/>
+            <a:ext cx="12191985" cy="66484"/>
+          </a:xfrm>
+          <a:prstGeom prst="rect">
+            <a:avLst/>
+          </a:prstGeom>
+          <a:solidFill>
+            <a:schemeClr val="accent1"/>
+          </a:solidFill>
+          <a:ln>
+            <a:noFill/>
+          </a:ln>
+        </p:spPr>
+        <p:style>
+          <a:lnRef idx="2">
+            <a:schemeClr val="accent1">
+              <a:shade val="50000"/>
+            </a:schemeClr>
+          </a:lnRef>
+          <a:fillRef idx="1">
+            <a:schemeClr val="accent1"/>
+          </a:fillRef>
+          <a:effectRef idx="0">
+            <a:schemeClr val="accent1"/>
+          </a:effectRef>
+          <a:fontRef idx="minor">
+            <a:schemeClr val="lt1"/>
+          </a:fontRef>
+        </p:style>
+      </p:sp>
+      <p:cxnSp>
+        <p:nvCxnSpPr>
+          <p:cNvPr id="55" name="Straight Connector 26"/>
+          <p:cNvCxnSpPr>
+            <a:cxnSpLocks noGrp="1" noRot="1" noChangeAspect="1" noMove="1" noResize="1" noEditPoints="1" noAdjustHandles="1" noChangeArrowheads="1" noChangeShapeType="1"/>
+          </p:cNvCxnSpPr>
+          <p:nvPr>
+            <p:extLst>
+              <p:ext uri="{386F3935-93C4-4BCD-93E2-E3B085C9AB24}">
+                <p16:designElem xmlns:p16="http://schemas.microsoft.com/office/powerpoint/2015/main" val="1"/>
+              </p:ext>
+            </p:extLst>
+          </p:nvPr>
+        </p:nvCxnSpPr>
+        <p:spPr>
+          <a:xfrm>
+            <a:off x="1207658" y="4343400"/>
+            <a:ext cx="9875520" cy="0"/>
+          </a:xfrm>
+          <a:prstGeom prst="line">
+            <a:avLst/>
+          </a:prstGeom>
+          <a:ln w="6350">
+            <a:solidFill>
+              <a:schemeClr val="tx2">
+                <a:alpha val="90000"/>
+              </a:schemeClr>
+            </a:solidFill>
+          </a:ln>
+        </p:spPr>
+        <p:style>
+          <a:lnRef idx="1">
+            <a:schemeClr val="accent1"/>
+          </a:lnRef>
+          <a:fillRef idx="0">
+            <a:schemeClr val="accent1"/>
+          </a:fillRef>
+          <a:effectRef idx="0">
+            <a:schemeClr val="accent1"/>
+          </a:effectRef>
+          <a:fontRef idx="minor">
+            <a:schemeClr val="tx1"/>
+          </a:fontRef>
+        </p:style>
+      </p:cxnSp>
+      <p:sp>
+        <p:nvSpPr>
+          <p:cNvPr id="9" name="Título 1"/>
+          <p:cNvSpPr txBox="1">
+            <a:spLocks/>
+          </p:cNvSpPr>
+          <p:nvPr/>
+        </p:nvSpPr>
+        <p:spPr>
+          <a:xfrm>
+            <a:off x="1097280" y="758952"/>
+            <a:ext cx="10058400" cy="3566160"/>
+          </a:xfrm>
+          <a:prstGeom prst="rect">
+            <a:avLst/>
+          </a:prstGeom>
+        </p:spPr>
+        <p:txBody>
+          <a:bodyPr vert="horz" lIns="91440" tIns="45720" rIns="91440" bIns="45720" rtlCol="0" anchor="b">
+            <a:normAutofit/>
+          </a:bodyPr>
+          <a:lstStyle>
+            <a:lvl1pPr algn="l" defTabSz="914400" rtl="0" eaLnBrk="1" latinLnBrk="0" hangingPunct="1">
+              <a:lnSpc>
+                <a:spcPct val="85000"/>
+              </a:lnSpc>
+              <a:spcBef>
+                <a:spcPct val="0"/>
+              </a:spcBef>
+              <a:buNone/>
+              <a:defRPr sz="4800" kern="1200" spc="-50" baseline="0">
+                <a:solidFill>
+                  <a:schemeClr val="tx1">
+                    <a:lumMod val="75000"/>
+                    <a:lumOff val="25000"/>
+                  </a:schemeClr>
+                </a:solidFill>
+                <a:latin typeface="+mj-lt"/>
+                <a:ea typeface="+mj-ea"/>
+                <a:cs typeface="+mj-cs"/>
+              </a:defRPr>
+            </a:lvl1pPr>
+          </a:lstStyle>
+          <a:p>
+            <a:r>
+              <a:rPr lang="en-US" sz="8000">
+                <a:solidFill>
+                  <a:schemeClr val="tx1">
+                    <a:lumMod val="85000"/>
+                    <a:lumOff val="15000"/>
+                  </a:schemeClr>
+                </a:solidFill>
+              </a:rPr>
+              <a:t>Iniciando</a:t>
+            </a:r>
+          </a:p>
+        </p:txBody>
+      </p:sp>
+    </p:spTree>
+    <p:extLst>
+      <p:ext uri="{BB962C8B-B14F-4D97-AF65-F5344CB8AC3E}">
+        <p14:creationId xmlns:p14="http://schemas.microsoft.com/office/powerpoint/2010/main" val="1455844385"/>
+      </p:ext>
+    </p:extLst>
+  </p:cSld>
+  <p:clrMapOvr>
+    <a:masterClrMapping/>
+  </p:clrMapOvr>
+</p:sld>
+</file>
+
+<file path=ppt/slides/slide13.xml><?xml version="1.0" encoding="utf-8"?>
+<p:sld xmlns:a="http://schemas.openxmlformats.org/drawingml/2006/main" xmlns:r="http://schemas.openxmlformats.org/officeDocument/2006/relationships" xmlns:p="http://schemas.openxmlformats.org/presentationml/2006/main">
+  <p:cSld>
+    <p:spTree>
+      <p:nvGrpSpPr>
+        <p:cNvPr id="1" name=""/>
+        <p:cNvGrpSpPr/>
+        <p:nvPr/>
+      </p:nvGrpSpPr>
+      <p:grpSpPr>
+        <a:xfrm>
+          <a:off x="0" y="0"/>
+          <a:ext cx="0" cy="0"/>
+          <a:chOff x="0" y="0"/>
+          <a:chExt cx="0" cy="0"/>
+        </a:xfrm>
+      </p:grpSpPr>
+      <p:sp>
+        <p:nvSpPr>
+          <p:cNvPr id="2" name="Título 1"/>
+          <p:cNvSpPr txBox="1">
+            <a:spLocks/>
+          </p:cNvSpPr>
+          <p:nvPr/>
+        </p:nvSpPr>
+        <p:spPr>
+          <a:xfrm>
+            <a:off x="1097280" y="286604"/>
+            <a:ext cx="10058400" cy="740092"/>
+          </a:xfrm>
+          <a:prstGeom prst="rect">
+            <a:avLst/>
+          </a:prstGeom>
+        </p:spPr>
+        <p:txBody>
+          <a:bodyPr/>
+          <a:lstStyle>
+            <a:lvl1pPr algn="l" defTabSz="914400" rtl="0" eaLnBrk="1" latinLnBrk="0" hangingPunct="1">
+              <a:lnSpc>
+                <a:spcPct val="85000"/>
+              </a:lnSpc>
+              <a:spcBef>
+                <a:spcPct val="0"/>
+              </a:spcBef>
+              <a:buNone/>
+              <a:defRPr sz="4800" kern="1200" spc="-50" baseline="0">
+                <a:solidFill>
+                  <a:schemeClr val="tx1">
+                    <a:lumMod val="75000"/>
+                    <a:lumOff val="25000"/>
+                  </a:schemeClr>
+                </a:solidFill>
+                <a:latin typeface="+mj-lt"/>
+                <a:ea typeface="+mj-ea"/>
+                <a:cs typeface="+mj-cs"/>
+              </a:defRPr>
+            </a:lvl1pPr>
+          </a:lstStyle>
+          <a:p>
+            <a:r>
+              <a:rPr lang="pt-BR" dirty="0"/>
+              <a:t>Utilizando Angular-</a:t>
+            </a:r>
+            <a:r>
+              <a:rPr lang="pt-BR" dirty="0" err="1"/>
+              <a:t>Cli</a:t>
+            </a:r>
+            <a:endParaRPr lang="pt-BR" dirty="0"/>
+          </a:p>
+        </p:txBody>
+      </p:sp>
+      <p:sp>
+        <p:nvSpPr>
+          <p:cNvPr id="4" name="CaixaDeTexto 3"/>
+          <p:cNvSpPr txBox="1"/>
+          <p:nvPr/>
+        </p:nvSpPr>
+        <p:spPr>
+          <a:xfrm>
+            <a:off x="689811" y="1572126"/>
+            <a:ext cx="7138736" cy="1200329"/>
+          </a:xfrm>
+          <a:prstGeom prst="rect">
+            <a:avLst/>
+          </a:prstGeom>
+          <a:noFill/>
+        </p:spPr>
+        <p:txBody>
+          <a:bodyPr wrap="square" rtlCol="0">
+            <a:spAutoFit/>
+          </a:bodyPr>
+          <a:lstStyle/>
+          <a:p>
+            <a:r>
+              <a:rPr lang="pt-BR" dirty="0"/>
+              <a:t>Requisitos: </a:t>
+            </a:r>
+          </a:p>
+          <a:p>
+            <a:r>
+              <a:rPr lang="pt-BR" dirty="0"/>
+              <a:t>Node </a:t>
+            </a:r>
+          </a:p>
+          <a:p>
+            <a:r>
+              <a:rPr lang="pt-BR" dirty="0" err="1"/>
+              <a:t>Typescript</a:t>
+            </a:r>
+            <a:r>
+              <a:rPr lang="pt-BR" dirty="0"/>
+              <a:t> 2.1</a:t>
+            </a:r>
+          </a:p>
+          <a:p>
+            <a:endParaRPr lang="pt-BR" dirty="0"/>
+          </a:p>
+        </p:txBody>
+      </p:sp>
+    </p:spTree>
+    <p:extLst>
+      <p:ext uri="{BB962C8B-B14F-4D97-AF65-F5344CB8AC3E}">
+        <p14:creationId xmlns:p14="http://schemas.microsoft.com/office/powerpoint/2010/main" val="3473349485"/>
+      </p:ext>
+    </p:extLst>
+  </p:cSld>
+  <p:clrMapOvr>
+    <a:masterClrMapping/>
+  </p:clrMapOvr>
+</p:sld>
+</file>
+
 <file path=ppt/slides/slide2.xml><?xml version="1.0" encoding="utf-8"?>
 <p:sld xmlns:a="http://schemas.openxmlformats.org/drawingml/2006/main" xmlns:r="http://schemas.openxmlformats.org/officeDocument/2006/relationships" xmlns:p="http://schemas.openxmlformats.org/presentationml/2006/main">
   <p:cSld>
@@ -4140,6 +5621,30 @@
           <a:chExt cx="0" cy="0"/>
         </a:xfrm>
       </p:grpSpPr>
+      <p:pic>
+        <p:nvPicPr>
+          <p:cNvPr id="7" name="Imagem 6"/>
+          <p:cNvPicPr>
+            <a:picLocks noChangeAspect="1"/>
+          </p:cNvPicPr>
+          <p:nvPr/>
+        </p:nvPicPr>
+        <p:blipFill>
+          <a:blip r:embed="rId2"/>
+          <a:stretch>
+            <a:fillRect/>
+          </a:stretch>
+        </p:blipFill>
+        <p:spPr>
+          <a:xfrm>
+            <a:off x="4036173" y="2161272"/>
+            <a:ext cx="8030900" cy="3597843"/>
+          </a:xfrm>
+          <a:prstGeom prst="rect">
+            <a:avLst/>
+          </a:prstGeom>
+        </p:spPr>
+      </p:pic>
       <p:sp>
         <p:nvSpPr>
           <p:cNvPr id="12290" name="Título 1"/>
@@ -4183,30 +5688,23 @@
           <a:prstGeom prst="rect">
             <a:avLst/>
           </a:prstGeom>
-          <a:noFill/>
-          <a:ln>
-            <a:noFill/>
-          </a:ln>
-          <a:extLst>
-            <a:ext uri="{909E8E84-426E-40DD-AFC4-6F175D3DCCD1}">
-              <a14:hiddenFill xmlns:a14="http://schemas.microsoft.com/office/drawing/2010/main">
-                <a:solidFill>
-                  <a:srgbClr val="FFFFFF"/>
-                </a:solidFill>
-              </a14:hiddenFill>
-            </a:ext>
-            <a:ext uri="{91240B29-F687-4F45-9708-019B960494DF}">
-              <a14:hiddenLine xmlns:a14="http://schemas.microsoft.com/office/drawing/2010/main" w="9525">
-                <a:solidFill>
-                  <a:srgbClr val="000000"/>
-                </a:solidFill>
-                <a:miter lim="800000"/>
-                <a:headEnd/>
-                <a:tailEnd/>
-              </a14:hiddenLine>
-            </a:ext>
-          </a:extLst>
-        </p:spPr>
+          <a:ln/>
+          <a:extLst/>
+        </p:spPr>
+        <p:style>
+          <a:lnRef idx="0">
+            <a:schemeClr val="accent1"/>
+          </a:lnRef>
+          <a:fillRef idx="3">
+            <a:schemeClr val="accent1"/>
+          </a:fillRef>
+          <a:effectRef idx="3">
+            <a:schemeClr val="accent1"/>
+          </a:effectRef>
+          <a:fontRef idx="minor">
+            <a:schemeClr val="lt1"/>
+          </a:fontRef>
+        </p:style>
         <p:txBody>
           <a:bodyPr vert="horz" wrap="square" lIns="91440" tIns="45720" rIns="91440" bIns="45720" numCol="1" anchor="t" anchorCtr="0" compatLnSpc="1">
             <a:prstTxWarp prst="textNoShape">
@@ -4404,10 +5902,11 @@
             </a:lvl9pPr>
           </a:lstStyle>
           <a:p>
+            <a:pPr algn="ctr"/>
             <a:r>
               <a:rPr lang="pt-BR" sz="1800" dirty="0">
                 <a:solidFill>
-                  <a:schemeClr val="tx1"/>
+                  <a:schemeClr val="bg1"/>
                 </a:solidFill>
               </a:rPr>
               <a:t>É um framework de aplicações web de código aberto, mantido pelo Google e pela comunidade e que auxilia na criação de single-</a:t>
@@ -4415,7 +5914,7 @@
             <a:r>
               <a:rPr lang="pt-BR" sz="1800" dirty="0" err="1">
                 <a:solidFill>
-                  <a:schemeClr val="tx1"/>
+                  <a:schemeClr val="bg1"/>
                 </a:solidFill>
               </a:rPr>
               <a:t>page</a:t>
@@ -4423,7 +5922,7 @@
             <a:r>
               <a:rPr lang="pt-BR" sz="1800" dirty="0">
                 <a:solidFill>
-                  <a:schemeClr val="tx1"/>
+                  <a:schemeClr val="bg1"/>
                 </a:solidFill>
               </a:rPr>
               <a:t> </a:t>
@@ -4431,7 +5930,7 @@
             <a:r>
               <a:rPr lang="pt-BR" sz="1800" dirty="0" err="1">
                 <a:solidFill>
-                  <a:schemeClr val="tx1"/>
+                  <a:schemeClr val="bg1"/>
                 </a:solidFill>
               </a:rPr>
               <a:t>applications</a:t>
@@ -4439,7 +5938,7 @@
             <a:r>
               <a:rPr lang="pt-BR" sz="1800" dirty="0">
                 <a:solidFill>
-                  <a:schemeClr val="tx1"/>
+                  <a:schemeClr val="bg1"/>
                 </a:solidFill>
               </a:rPr>
               <a:t> também conhecidas como : ‘SPA’</a:t>
@@ -4449,15 +5948,16 @@
             <a:pPr algn="ctr"/>
             <a:endParaRPr lang="pt-BR" sz="1800" dirty="0">
               <a:solidFill>
-                <a:schemeClr val="tx1"/>
+                <a:schemeClr val="bg1"/>
               </a:solidFill>
             </a:endParaRPr>
           </a:p>
           <a:p>
+            <a:pPr algn="ctr"/>
             <a:r>
               <a:rPr lang="pt-BR" sz="1800" dirty="0">
                 <a:solidFill>
-                  <a:schemeClr val="tx1"/>
+                  <a:schemeClr val="bg1"/>
                 </a:solidFill>
               </a:rPr>
               <a:t>As SPA consistem em uma página HTML com CSS e </a:t>
@@ -4465,7 +5965,7 @@
             <a:r>
               <a:rPr lang="pt-BR" sz="1800" dirty="0" err="1">
                 <a:solidFill>
-                  <a:schemeClr val="tx1"/>
+                  <a:schemeClr val="bg1"/>
                 </a:solidFill>
               </a:rPr>
               <a:t>JavaScript</a:t>
@@ -4473,7 +5973,7 @@
             <a:r>
               <a:rPr lang="pt-BR" sz="1800" dirty="0">
                 <a:solidFill>
-                  <a:schemeClr val="tx1"/>
+                  <a:schemeClr val="bg1"/>
                 </a:solidFill>
               </a:rPr>
               <a:t> no lado do Cliente.</a:t>
@@ -4481,30 +5981,6 @@
           </a:p>
         </p:txBody>
       </p:sp>
-      <p:pic>
-        <p:nvPicPr>
-          <p:cNvPr id="7" name="Imagem 6"/>
-          <p:cNvPicPr>
-            <a:picLocks noChangeAspect="1"/>
-          </p:cNvPicPr>
-          <p:nvPr/>
-        </p:nvPicPr>
-        <p:blipFill>
-          <a:blip r:embed="rId2"/>
-          <a:stretch>
-            <a:fillRect/>
-          </a:stretch>
-        </p:blipFill>
-        <p:spPr>
-          <a:xfrm>
-            <a:off x="5282837" y="2065020"/>
-            <a:ext cx="6463393" cy="2895600"/>
-          </a:xfrm>
-          <a:prstGeom prst="rect">
-            <a:avLst/>
-          </a:prstGeom>
-        </p:spPr>
-      </p:pic>
     </p:spTree>
     <p:extLst>
       <p:ext uri="{BB962C8B-B14F-4D97-AF65-F5344CB8AC3E}">
@@ -4755,815 +6231,270 @@
           <a:chExt cx="0" cy="0"/>
         </a:xfrm>
       </p:grpSpPr>
-      <p:sp>
-        <p:nvSpPr>
-          <p:cNvPr id="2" name="Título 1"/>
-          <p:cNvSpPr>
-            <a:spLocks noGrp="1"/>
-          </p:cNvSpPr>
-          <p:nvPr>
-            <p:ph type="title"/>
-          </p:nvPr>
-        </p:nvSpPr>
-        <p:spPr/>
-        <p:txBody>
-          <a:bodyPr/>
-          <a:lstStyle/>
-          <a:p>
-            <a:r>
-              <a:rPr lang="pt-BR" dirty="0"/>
-              <a:t>Principais novidades da versão 4</a:t>
-            </a:r>
-          </a:p>
-        </p:txBody>
-      </p:sp>
-      <p:sp>
-        <p:nvSpPr>
-          <p:cNvPr id="3" name="Espaço Reservado para Conteúdo 2"/>
-          <p:cNvSpPr>
-            <a:spLocks noGrp="1"/>
-          </p:cNvSpPr>
-          <p:nvPr>
-            <p:ph idx="1"/>
-          </p:nvPr>
-        </p:nvSpPr>
-        <p:spPr>
-          <a:xfrm>
-            <a:off x="1097280" y="1845734"/>
-            <a:ext cx="10058400" cy="1851623"/>
-          </a:xfrm>
-        </p:spPr>
-        <p:txBody>
-          <a:bodyPr>
-            <a:noAutofit/>
-          </a:bodyPr>
-          <a:lstStyle/>
-          <a:p>
-            <a:pPr marL="0" indent="0">
-              <a:buNone/>
-            </a:pPr>
-            <a:r>
-              <a:rPr lang="pt-BR" dirty="0">
-                <a:solidFill>
-                  <a:schemeClr val="tx1"/>
-                </a:solidFill>
-                <a:latin typeface="+mj-lt"/>
-              </a:rPr>
-              <a:t>Menor e veloz.</a:t>
-            </a:r>
-          </a:p>
-          <a:p>
-            <a:pPr marL="201168" lvl="1" indent="0">
-              <a:buNone/>
-            </a:pPr>
-            <a:r>
-              <a:rPr lang="pt-BR" sz="2000" dirty="0">
-                <a:solidFill>
-                  <a:schemeClr val="tx1"/>
-                </a:solidFill>
-                <a:latin typeface="+mj-lt"/>
-              </a:rPr>
-              <a:t>O foco dessa versão foi velocidade, um grande ponto a ser lembrado foi a alteração da geração de código via AOT (</a:t>
-            </a:r>
-            <a:r>
-              <a:rPr lang="pt-BR" sz="2000" dirty="0" err="1">
-                <a:solidFill>
-                  <a:schemeClr val="tx1"/>
-                </a:solidFill>
-                <a:latin typeface="+mj-lt"/>
-              </a:rPr>
-              <a:t>Ahead</a:t>
-            </a:r>
-            <a:r>
-              <a:rPr lang="pt-BR" sz="2000" dirty="0">
-                <a:solidFill>
-                  <a:schemeClr val="tx1"/>
-                </a:solidFill>
-                <a:latin typeface="+mj-lt"/>
-              </a:rPr>
-              <a:t>-</a:t>
-            </a:r>
-            <a:r>
-              <a:rPr lang="pt-BR" sz="2000" dirty="0" err="1">
-                <a:solidFill>
-                  <a:schemeClr val="tx1"/>
-                </a:solidFill>
-                <a:latin typeface="+mj-lt"/>
-              </a:rPr>
-              <a:t>of</a:t>
-            </a:r>
-            <a:r>
-              <a:rPr lang="pt-BR" sz="2000" dirty="0">
-                <a:solidFill>
-                  <a:schemeClr val="tx1"/>
-                </a:solidFill>
-                <a:latin typeface="+mj-lt"/>
-              </a:rPr>
-              <a:t>-Time </a:t>
-            </a:r>
-            <a:r>
-              <a:rPr lang="pt-BR" sz="2000" dirty="0" err="1">
-                <a:solidFill>
-                  <a:schemeClr val="tx1"/>
-                </a:solidFill>
-                <a:latin typeface="+mj-lt"/>
-              </a:rPr>
-              <a:t>Compilation</a:t>
-            </a:r>
-            <a:r>
-              <a:rPr lang="pt-BR" sz="2000" dirty="0">
-                <a:solidFill>
-                  <a:schemeClr val="tx1"/>
-                </a:solidFill>
-                <a:latin typeface="+mj-lt"/>
-              </a:rPr>
-              <a:t>)</a:t>
-            </a:r>
-          </a:p>
-          <a:p>
-            <a:pPr marL="201168" lvl="1" indent="0">
-              <a:buNone/>
-            </a:pPr>
-            <a:endParaRPr lang="pt-BR" sz="2000" dirty="0">
-              <a:solidFill>
-                <a:schemeClr val="tx1"/>
-              </a:solidFill>
-              <a:latin typeface="+mj-lt"/>
-            </a:endParaRPr>
-          </a:p>
-          <a:p>
-            <a:pPr marL="0">
-              <a:buNone/>
-            </a:pPr>
-            <a:r>
-              <a:rPr lang="pt-BR" dirty="0">
-                <a:solidFill>
-                  <a:schemeClr val="tx1"/>
-                </a:solidFill>
-                <a:latin typeface="+mj-lt"/>
-              </a:rPr>
-              <a:t>Nova sintaxe em ‘</a:t>
-            </a:r>
-            <a:r>
-              <a:rPr lang="pt-BR" dirty="0" err="1">
-                <a:solidFill>
-                  <a:schemeClr val="tx1"/>
-                </a:solidFill>
-                <a:latin typeface="+mj-lt"/>
-              </a:rPr>
-              <a:t>If</a:t>
-            </a:r>
-            <a:r>
-              <a:rPr lang="pt-BR" dirty="0">
-                <a:solidFill>
-                  <a:schemeClr val="tx1"/>
-                </a:solidFill>
-                <a:latin typeface="+mj-lt"/>
-              </a:rPr>
-              <a:t> e </a:t>
-            </a:r>
-            <a:r>
-              <a:rPr lang="pt-BR" dirty="0" err="1">
-                <a:solidFill>
-                  <a:schemeClr val="tx1"/>
-                </a:solidFill>
-                <a:latin typeface="+mj-lt"/>
-              </a:rPr>
-              <a:t>else</a:t>
-            </a:r>
-            <a:r>
-              <a:rPr lang="pt-BR" dirty="0">
-                <a:solidFill>
-                  <a:schemeClr val="tx1"/>
-                </a:solidFill>
-                <a:latin typeface="+mj-lt"/>
-              </a:rPr>
-              <a:t>’ para componentes </a:t>
-            </a:r>
-            <a:r>
-              <a:rPr lang="pt-BR" dirty="0" err="1">
-                <a:solidFill>
-                  <a:schemeClr val="tx1"/>
-                </a:solidFill>
-                <a:latin typeface="+mj-lt"/>
-              </a:rPr>
-              <a:t>html</a:t>
-            </a:r>
-            <a:r>
-              <a:rPr lang="pt-BR" dirty="0">
-                <a:solidFill>
-                  <a:schemeClr val="tx1"/>
-                </a:solidFill>
-                <a:latin typeface="+mj-lt"/>
-              </a:rPr>
-              <a:t>.</a:t>
-            </a:r>
-          </a:p>
-          <a:p>
-            <a:pPr marL="0">
-              <a:buNone/>
-            </a:pPr>
-            <a:r>
-              <a:rPr lang="pt-BR" dirty="0">
-                <a:solidFill>
-                  <a:schemeClr val="tx1"/>
-                </a:solidFill>
-                <a:latin typeface="+mj-lt"/>
-              </a:rPr>
-              <a:t>	Exemplo: </a:t>
-            </a:r>
-          </a:p>
-          <a:p>
-            <a:pPr marL="0" algn="ctr">
-              <a:buNone/>
-            </a:pPr>
-            <a:r>
-              <a:rPr lang="pt-BR" sz="1500" dirty="0">
-                <a:latin typeface="+mj-lt"/>
-              </a:rPr>
-              <a:t> </a:t>
-            </a:r>
-          </a:p>
-          <a:p>
-            <a:pPr marL="201168" lvl="1" indent="0">
-              <a:buNone/>
-            </a:pPr>
-            <a:endParaRPr lang="pt-BR" sz="1500" dirty="0">
-              <a:latin typeface="+mj-lt"/>
-            </a:endParaRPr>
-          </a:p>
-          <a:p>
-            <a:pPr marL="201168" lvl="1" indent="0">
-              <a:buNone/>
-            </a:pPr>
-            <a:endParaRPr lang="pt-BR" sz="1500" dirty="0">
-              <a:latin typeface="+mj-lt"/>
-            </a:endParaRPr>
-          </a:p>
-        </p:txBody>
-      </p:sp>
-      <p:sp>
-        <p:nvSpPr>
-          <p:cNvPr id="6" name="Espaço Reservado para Conteúdo 2"/>
-          <p:cNvSpPr txBox="1">
-            <a:spLocks/>
-          </p:cNvSpPr>
+      <p:pic>
+        <p:nvPicPr>
+          <p:cNvPr id="15" name="Imagem 14"/>
+          <p:cNvPicPr>
+            <a:picLocks noChangeAspect="1"/>
+          </p:cNvPicPr>
           <p:nvPr/>
-        </p:nvSpPr>
-        <p:spPr>
-          <a:xfrm>
-            <a:off x="1097280" y="4203296"/>
-            <a:ext cx="10058400" cy="1086679"/>
+        </p:nvPicPr>
+        <p:blipFill>
+          <a:blip r:embed="rId2"/>
+          <a:stretch>
+            <a:fillRect/>
+          </a:stretch>
+        </p:blipFill>
+        <p:spPr>
+          <a:xfrm>
+            <a:off x="-2683268" y="694014"/>
+            <a:ext cx="9950341" cy="5194957"/>
           </a:xfrm>
           <a:prstGeom prst="rect">
             <a:avLst/>
           </a:prstGeom>
         </p:spPr>
+      </p:pic>
+      <p:sp>
+        <p:nvSpPr>
+          <p:cNvPr id="12" name="Rectangle 11"/>
+          <p:cNvSpPr>
+            <a:spLocks noGrp="1" noRot="1" noChangeAspect="1" noMove="1" noResize="1" noEditPoints="1" noAdjustHandles="1" noChangeArrowheads="1" noChangeShapeType="1" noTextEdit="1"/>
+          </p:cNvSpPr>
+          <p:nvPr>
+            <p:extLst>
+              <p:ext uri="{386F3935-93C4-4BCD-93E2-E3B085C9AB24}">
+                <p16:designElem xmlns:p16="http://schemas.microsoft.com/office/powerpoint/2015/main" val="1"/>
+              </p:ext>
+            </p:extLst>
+          </p:nvPr>
+        </p:nvSpPr>
+        <p:spPr bwMode="white">
+          <a:xfrm>
+            <a:off x="4639733" y="0"/>
+            <a:ext cx="7552267" cy="6858000"/>
+          </a:xfrm>
+          <a:prstGeom prst="rect">
+            <a:avLst/>
+          </a:prstGeom>
+          <a:solidFill>
+            <a:schemeClr val="accent2"/>
+          </a:solidFill>
+          <a:ln>
+            <a:noFill/>
+          </a:ln>
+        </p:spPr>
         <p:style>
-          <a:lnRef idx="1">
-            <a:schemeClr val="dk1"/>
+          <a:lnRef idx="2">
+            <a:schemeClr val="accent1">
+              <a:shade val="50000"/>
+            </a:schemeClr>
           </a:lnRef>
-          <a:fillRef idx="3">
-            <a:schemeClr val="dk1"/>
+          <a:fillRef idx="1">
+            <a:schemeClr val="accent1"/>
           </a:fillRef>
-          <a:effectRef idx="2">
-            <a:schemeClr val="dk1"/>
+          <a:effectRef idx="0">
+            <a:schemeClr val="accent1"/>
           </a:effectRef>
           <a:fontRef idx="minor">
             <a:schemeClr val="lt1"/>
           </a:fontRef>
         </p:style>
-        <p:txBody>
-          <a:bodyPr vert="horz" lIns="0" tIns="45720" rIns="0" bIns="45720" rtlCol="0">
-            <a:normAutofit lnSpcReduction="10000"/>
+      </p:sp>
+      <p:sp>
+        <p:nvSpPr>
+          <p:cNvPr id="14" name="Rectangle 13"/>
+          <p:cNvSpPr>
+            <a:spLocks noGrp="1" noRot="1" noChangeAspect="1" noMove="1" noResize="1" noEditPoints="1" noAdjustHandles="1" noChangeArrowheads="1" noChangeShapeType="1" noTextEdit="1"/>
+          </p:cNvSpPr>
+          <p:nvPr>
+            <p:extLst>
+              <p:ext uri="{386F3935-93C4-4BCD-93E2-E3B085C9AB24}">
+                <p16:designElem xmlns:p16="http://schemas.microsoft.com/office/powerpoint/2015/main" val="1"/>
+              </p:ext>
+            </p:extLst>
+          </p:nvPr>
+        </p:nvSpPr>
+        <p:spPr>
+          <a:xfrm>
+            <a:off x="4578972" y="0"/>
+            <a:ext cx="64008" cy="6858000"/>
+          </a:xfrm>
+          <a:prstGeom prst="rect">
+            <a:avLst/>
+          </a:prstGeom>
+          <a:solidFill>
+            <a:schemeClr val="accent1"/>
+          </a:solidFill>
+          <a:ln>
+            <a:noFill/>
+          </a:ln>
+        </p:spPr>
+        <p:style>
+          <a:lnRef idx="2">
+            <a:schemeClr val="accent1">
+              <a:shade val="50000"/>
+            </a:schemeClr>
+          </a:lnRef>
+          <a:fillRef idx="1">
+            <a:schemeClr val="accent1"/>
+          </a:fillRef>
+          <a:effectRef idx="0">
+            <a:schemeClr val="accent1"/>
+          </a:effectRef>
+          <a:fontRef idx="minor">
+            <a:schemeClr val="lt1"/>
+          </a:fontRef>
+        </p:style>
+      </p:sp>
+      <p:sp>
+        <p:nvSpPr>
+          <p:cNvPr id="2" name="Título 1"/>
+          <p:cNvSpPr>
+            <a:spLocks noGrp="1"/>
+          </p:cNvSpPr>
+          <p:nvPr>
+            <p:ph type="title"/>
+          </p:nvPr>
+        </p:nvSpPr>
+        <p:spPr>
+          <a:xfrm>
+            <a:off x="5124206" y="516835"/>
+            <a:ext cx="6339840" cy="1666501"/>
+          </a:xfrm>
+        </p:spPr>
+        <p:txBody>
+          <a:bodyPr>
+            <a:normAutofit/>
           </a:bodyPr>
-          <a:lstStyle>
-            <a:lvl1pPr marL="91440" indent="-91440" algn="l" defTabSz="914400" rtl="0" eaLnBrk="1" latinLnBrk="0" hangingPunct="1">
-              <a:lnSpc>
-                <a:spcPct val="90000"/>
-              </a:lnSpc>
-              <a:spcBef>
-                <a:spcPts val="1200"/>
-              </a:spcBef>
-              <a:spcAft>
-                <a:spcPts val="200"/>
-              </a:spcAft>
-              <a:buClr>
-                <a:schemeClr val="accent1"/>
-              </a:buClr>
-              <a:buSzPct val="100000"/>
-              <a:buFont typeface="Calibri" panose="020F0502020204030204" pitchFamily="34" charset="0"/>
-              <a:buChar char=" "/>
-              <a:defRPr sz="2000" kern="1200">
-                <a:solidFill>
-                  <a:schemeClr val="tx1">
-                    <a:lumMod val="75000"/>
-                    <a:lumOff val="25000"/>
-                  </a:schemeClr>
-                </a:solidFill>
-                <a:latin typeface="+mn-lt"/>
-                <a:ea typeface="+mn-ea"/>
-                <a:cs typeface="+mn-cs"/>
-              </a:defRPr>
-            </a:lvl1pPr>
-            <a:lvl2pPr marL="384048" indent="-182880" algn="l" defTabSz="914400" rtl="0" eaLnBrk="1" latinLnBrk="0" hangingPunct="1">
-              <a:lnSpc>
-                <a:spcPct val="90000"/>
-              </a:lnSpc>
-              <a:spcBef>
-                <a:spcPts val="200"/>
-              </a:spcBef>
-              <a:spcAft>
-                <a:spcPts val="400"/>
-              </a:spcAft>
-              <a:buClr>
-                <a:schemeClr val="accent1"/>
-              </a:buClr>
-              <a:buFont typeface="Calibri" pitchFamily="34" charset="0"/>
-              <a:buChar char="◦"/>
-              <a:defRPr sz="1800" kern="1200">
-                <a:solidFill>
-                  <a:schemeClr val="tx1">
-                    <a:lumMod val="75000"/>
-                    <a:lumOff val="25000"/>
-                  </a:schemeClr>
-                </a:solidFill>
-                <a:latin typeface="+mn-lt"/>
-                <a:ea typeface="+mn-ea"/>
-                <a:cs typeface="+mn-cs"/>
-              </a:defRPr>
-            </a:lvl2pPr>
-            <a:lvl3pPr marL="566928" indent="-182880" algn="l" defTabSz="914400" rtl="0" eaLnBrk="1" latinLnBrk="0" hangingPunct="1">
-              <a:lnSpc>
-                <a:spcPct val="90000"/>
-              </a:lnSpc>
-              <a:spcBef>
-                <a:spcPts val="200"/>
-              </a:spcBef>
-              <a:spcAft>
-                <a:spcPts val="400"/>
-              </a:spcAft>
-              <a:buClr>
-                <a:schemeClr val="accent1"/>
-              </a:buClr>
-              <a:buFont typeface="Calibri" pitchFamily="34" charset="0"/>
-              <a:buChar char="◦"/>
-              <a:defRPr sz="1400" kern="1200">
-                <a:solidFill>
-                  <a:schemeClr val="tx1">
-                    <a:lumMod val="75000"/>
-                    <a:lumOff val="25000"/>
-                  </a:schemeClr>
-                </a:solidFill>
-                <a:latin typeface="+mn-lt"/>
-                <a:ea typeface="+mn-ea"/>
-                <a:cs typeface="+mn-cs"/>
-              </a:defRPr>
-            </a:lvl3pPr>
-            <a:lvl4pPr marL="749808" indent="-182880" algn="l" defTabSz="914400" rtl="0" eaLnBrk="1" latinLnBrk="0" hangingPunct="1">
-              <a:lnSpc>
-                <a:spcPct val="90000"/>
-              </a:lnSpc>
-              <a:spcBef>
-                <a:spcPts val="200"/>
-              </a:spcBef>
-              <a:spcAft>
-                <a:spcPts val="400"/>
-              </a:spcAft>
-              <a:buClr>
-                <a:schemeClr val="accent1"/>
-              </a:buClr>
-              <a:buFont typeface="Calibri" pitchFamily="34" charset="0"/>
-              <a:buChar char="◦"/>
-              <a:defRPr sz="1400" kern="1200">
-                <a:solidFill>
-                  <a:schemeClr val="tx1">
-                    <a:lumMod val="75000"/>
-                    <a:lumOff val="25000"/>
-                  </a:schemeClr>
-                </a:solidFill>
-                <a:latin typeface="+mn-lt"/>
-                <a:ea typeface="+mn-ea"/>
-                <a:cs typeface="+mn-cs"/>
-              </a:defRPr>
-            </a:lvl4pPr>
-            <a:lvl5pPr marL="932688" indent="-182880" algn="l" defTabSz="914400" rtl="0" eaLnBrk="1" latinLnBrk="0" hangingPunct="1">
-              <a:lnSpc>
-                <a:spcPct val="90000"/>
-              </a:lnSpc>
-              <a:spcBef>
-                <a:spcPts val="200"/>
-              </a:spcBef>
-              <a:spcAft>
-                <a:spcPts val="400"/>
-              </a:spcAft>
-              <a:buClr>
-                <a:schemeClr val="accent1"/>
-              </a:buClr>
-              <a:buFont typeface="Calibri" pitchFamily="34" charset="0"/>
-              <a:buChar char="◦"/>
-              <a:defRPr sz="1400" kern="1200">
-                <a:solidFill>
-                  <a:schemeClr val="tx1">
-                    <a:lumMod val="75000"/>
-                    <a:lumOff val="25000"/>
-                  </a:schemeClr>
-                </a:solidFill>
-                <a:latin typeface="+mn-lt"/>
-                <a:ea typeface="+mn-ea"/>
-                <a:cs typeface="+mn-cs"/>
-              </a:defRPr>
-            </a:lvl5pPr>
-            <a:lvl6pPr marL="1100000" indent="-228600" algn="l" defTabSz="914400" rtl="0" eaLnBrk="1" latinLnBrk="0" hangingPunct="1">
-              <a:lnSpc>
-                <a:spcPct val="90000"/>
-              </a:lnSpc>
-              <a:spcBef>
-                <a:spcPts val="200"/>
-              </a:spcBef>
-              <a:spcAft>
-                <a:spcPts val="400"/>
-              </a:spcAft>
-              <a:buClr>
-                <a:schemeClr val="accent1"/>
-              </a:buClr>
-              <a:buFont typeface="Calibri" pitchFamily="34" charset="0"/>
-              <a:buChar char="◦"/>
-              <a:defRPr sz="1400" kern="1200">
-                <a:solidFill>
-                  <a:schemeClr val="tx1">
-                    <a:lumMod val="75000"/>
-                    <a:lumOff val="25000"/>
-                  </a:schemeClr>
-                </a:solidFill>
-                <a:latin typeface="+mn-lt"/>
-                <a:ea typeface="+mn-ea"/>
-                <a:cs typeface="+mn-cs"/>
-              </a:defRPr>
-            </a:lvl6pPr>
-            <a:lvl7pPr marL="1300000" indent="-228600" algn="l" defTabSz="914400" rtl="0" eaLnBrk="1" latinLnBrk="0" hangingPunct="1">
-              <a:lnSpc>
-                <a:spcPct val="90000"/>
-              </a:lnSpc>
-              <a:spcBef>
-                <a:spcPts val="200"/>
-              </a:spcBef>
-              <a:spcAft>
-                <a:spcPts val="400"/>
-              </a:spcAft>
-              <a:buClr>
-                <a:schemeClr val="accent1"/>
-              </a:buClr>
-              <a:buFont typeface="Calibri" pitchFamily="34" charset="0"/>
-              <a:buChar char="◦"/>
-              <a:defRPr sz="1400" kern="1200">
-                <a:solidFill>
-                  <a:schemeClr val="tx1">
-                    <a:lumMod val="75000"/>
-                    <a:lumOff val="25000"/>
-                  </a:schemeClr>
-                </a:solidFill>
-                <a:latin typeface="+mn-lt"/>
-                <a:ea typeface="+mn-ea"/>
-                <a:cs typeface="+mn-cs"/>
-              </a:defRPr>
-            </a:lvl7pPr>
-            <a:lvl8pPr marL="1500000" indent="-228600" algn="l" defTabSz="914400" rtl="0" eaLnBrk="1" latinLnBrk="0" hangingPunct="1">
-              <a:lnSpc>
-                <a:spcPct val="90000"/>
-              </a:lnSpc>
-              <a:spcBef>
-                <a:spcPts val="200"/>
-              </a:spcBef>
-              <a:spcAft>
-                <a:spcPts val="400"/>
-              </a:spcAft>
-              <a:buClr>
-                <a:schemeClr val="accent1"/>
-              </a:buClr>
-              <a:buFont typeface="Calibri" pitchFamily="34" charset="0"/>
-              <a:buChar char="◦"/>
-              <a:defRPr sz="1400" kern="1200">
-                <a:solidFill>
-                  <a:schemeClr val="tx1">
-                    <a:lumMod val="75000"/>
-                    <a:lumOff val="25000"/>
-                  </a:schemeClr>
-                </a:solidFill>
-                <a:latin typeface="+mn-lt"/>
-                <a:ea typeface="+mn-ea"/>
-                <a:cs typeface="+mn-cs"/>
-              </a:defRPr>
-            </a:lvl8pPr>
-            <a:lvl9pPr marL="1700000" indent="-228600" algn="l" defTabSz="914400" rtl="0" eaLnBrk="1" latinLnBrk="0" hangingPunct="1">
-              <a:lnSpc>
-                <a:spcPct val="90000"/>
-              </a:lnSpc>
-              <a:spcBef>
-                <a:spcPts val="200"/>
-              </a:spcBef>
-              <a:spcAft>
-                <a:spcPts val="400"/>
-              </a:spcAft>
-              <a:buClr>
-                <a:schemeClr val="accent1"/>
-              </a:buClr>
-              <a:buFont typeface="Calibri" pitchFamily="34" charset="0"/>
-              <a:buChar char="◦"/>
-              <a:defRPr sz="1400" kern="1200">
-                <a:solidFill>
-                  <a:schemeClr val="tx1">
-                    <a:lumMod val="75000"/>
-                    <a:lumOff val="25000"/>
-                  </a:schemeClr>
-                </a:solidFill>
-                <a:latin typeface="+mn-lt"/>
-                <a:ea typeface="+mn-ea"/>
-                <a:cs typeface="+mn-cs"/>
-              </a:defRPr>
-            </a:lvl9pPr>
-          </a:lstStyle>
-          <a:p>
-            <a:pPr marL="201168" lvl="1" indent="0">
-              <a:buFont typeface="Calibri" pitchFamily="34" charset="0"/>
-              <a:buNone/>
-            </a:pPr>
-            <a:r>
-              <a:rPr lang="pt-BR" sz="1400" dirty="0"/>
-              <a:t> </a:t>
-            </a:r>
-          </a:p>
-          <a:p>
-            <a:pPr marL="0" algn="ctr">
-              <a:buNone/>
-            </a:pPr>
-            <a:r>
-              <a:rPr lang="en-US" sz="1600" dirty="0">
-                <a:solidFill>
-                  <a:schemeClr val="bg1"/>
+          <a:lstStyle/>
+          <a:p>
+            <a:r>
+              <a:rPr lang="pt-BR" sz="4000">
+                <a:solidFill>
+                  <a:srgbClr val="FFFFFF"/>
                 </a:solidFill>
               </a:rPr>
-              <a:t>&lt;ng-template #</a:t>
-            </a:r>
-            <a:r>
-              <a:rPr lang="en-US" sz="1600" dirty="0" err="1">
-                <a:solidFill>
-                  <a:schemeClr val="bg1"/>
-                </a:solidFill>
+              <a:t>Principais pontos </a:t>
+            </a:r>
+          </a:p>
+        </p:txBody>
+      </p:sp>
+      <p:sp>
+        <p:nvSpPr>
+          <p:cNvPr id="3" name="Espaço Reservado para Conteúdo 2"/>
+          <p:cNvSpPr>
+            <a:spLocks noGrp="1"/>
+          </p:cNvSpPr>
+          <p:nvPr>
+            <p:ph idx="1"/>
+          </p:nvPr>
+        </p:nvSpPr>
+        <p:spPr>
+          <a:xfrm>
+            <a:off x="5124206" y="2236304"/>
+            <a:ext cx="6339840" cy="3652667"/>
+          </a:xfrm>
+        </p:spPr>
+        <p:style>
+          <a:lnRef idx="3">
+            <a:schemeClr val="lt1"/>
+          </a:lnRef>
+          <a:fillRef idx="1">
+            <a:schemeClr val="accent2"/>
+          </a:fillRef>
+          <a:effectRef idx="1">
+            <a:schemeClr val="accent2"/>
+          </a:effectRef>
+          <a:fontRef idx="minor">
+            <a:schemeClr val="lt1"/>
+          </a:fontRef>
+        </p:style>
+        <p:txBody>
+          <a:bodyPr>
+            <a:normAutofit/>
+          </a:bodyPr>
+          <a:lstStyle/>
+          <a:p>
+            <a:pPr lvl="1"/>
+            <a:r>
+              <a:rPr lang="pt-BR">
+                <a:solidFill>
+                  <a:srgbClr val="FFFFFF"/>
+                </a:solidFill>
+                <a:latin typeface="+mj-lt"/>
               </a:rPr>
-              <a:t>esconder</a:t>
-            </a:r>
-            <a:r>
-              <a:rPr lang="en-US" sz="1600" dirty="0">
-                <a:solidFill>
-                  <a:schemeClr val="bg1"/>
-                </a:solidFill>
+              <a:t>Totalmente reescrito.</a:t>
+            </a:r>
+          </a:p>
+          <a:p>
+            <a:pPr lvl="1"/>
+            <a:r>
+              <a:rPr lang="pt-BR">
+                <a:solidFill>
+                  <a:srgbClr val="FFFFFF"/>
+                </a:solidFill>
+                <a:latin typeface="+mj-lt"/>
               </a:rPr>
-              <a:t>&gt; &lt;p&gt;</a:t>
-            </a:r>
-            <a:r>
-              <a:rPr lang="en-US" sz="1600" dirty="0" err="1">
-                <a:solidFill>
-                  <a:schemeClr val="bg1"/>
-                </a:solidFill>
+              <a:t>Utiliza agora Webpack, Web Components, Shadow Dom... Etc..</a:t>
+            </a:r>
+          </a:p>
+          <a:p>
+            <a:pPr lvl="1"/>
+            <a:r>
+              <a:rPr lang="pt-BR">
+                <a:solidFill>
+                  <a:srgbClr val="FFFFFF"/>
+                </a:solidFill>
+                <a:latin typeface="+mj-lt"/>
               </a:rPr>
-              <a:t>Você</a:t>
-            </a:r>
-            <a:r>
-              <a:rPr lang="en-US" sz="1600" dirty="0">
-                <a:solidFill>
-                  <a:schemeClr val="bg1"/>
-                </a:solidFill>
+              <a:t>Pode ser escrito em 3 maneiras: Typescript, Javascript Puro ou dart.</a:t>
+            </a:r>
+          </a:p>
+          <a:p>
+            <a:pPr lvl="1"/>
+            <a:r>
+              <a:rPr lang="pt-BR">
+                <a:solidFill>
+                  <a:srgbClr val="FFFFFF"/>
+                </a:solidFill>
+                <a:latin typeface="+mj-lt"/>
               </a:rPr>
-              <a:t> </a:t>
-            </a:r>
-            <a:r>
-              <a:rPr lang="en-US" sz="1600" dirty="0" err="1">
-                <a:solidFill>
-                  <a:schemeClr val="bg1"/>
-                </a:solidFill>
+              <a:t>Open Source.</a:t>
+            </a:r>
+          </a:p>
+          <a:p>
+            <a:pPr lvl="1"/>
+            <a:r>
+              <a:rPr lang="pt-BR">
+                <a:solidFill>
+                  <a:srgbClr val="FFFFFF"/>
+                </a:solidFill>
+                <a:latin typeface="+mj-lt"/>
               </a:rPr>
-              <a:t>não</a:t>
-            </a:r>
-            <a:r>
-              <a:rPr lang="en-US" sz="1600" dirty="0">
-                <a:solidFill>
-                  <a:schemeClr val="bg1"/>
-                </a:solidFill>
+              <a:t>Mais simples de desenvolver (Código simplificado).</a:t>
+            </a:r>
+          </a:p>
+          <a:p>
+            <a:pPr lvl="1"/>
+            <a:r>
+              <a:rPr lang="pt-BR">
+                <a:solidFill>
+                  <a:srgbClr val="FFFFFF"/>
+                </a:solidFill>
+                <a:latin typeface="+mj-lt"/>
               </a:rPr>
-              <a:t> </a:t>
-            </a:r>
-            <a:r>
-              <a:rPr lang="en-US" sz="1600" dirty="0" err="1">
-                <a:solidFill>
-                  <a:schemeClr val="bg1"/>
-                </a:solidFill>
-              </a:rPr>
-              <a:t>está</a:t>
-            </a:r>
-            <a:r>
-              <a:rPr lang="en-US" sz="1600" dirty="0">
-                <a:solidFill>
-                  <a:schemeClr val="bg1"/>
-                </a:solidFill>
-              </a:rPr>
-              <a:t> </a:t>
-            </a:r>
-            <a:r>
-              <a:rPr lang="en-US" sz="1600" dirty="0" err="1">
-                <a:solidFill>
-                  <a:schemeClr val="bg1"/>
-                </a:solidFill>
-              </a:rPr>
-              <a:t>autorizado</a:t>
-            </a:r>
-            <a:r>
-              <a:rPr lang="en-US" sz="1600" dirty="0">
-                <a:solidFill>
-                  <a:schemeClr val="bg1"/>
-                </a:solidFill>
-              </a:rPr>
-              <a:t> a </a:t>
-            </a:r>
-            <a:r>
-              <a:rPr lang="en-US" sz="1600" dirty="0" err="1">
-                <a:solidFill>
-                  <a:schemeClr val="bg1"/>
-                </a:solidFill>
-              </a:rPr>
-              <a:t>ver</a:t>
-            </a:r>
-            <a:r>
-              <a:rPr lang="en-US" sz="1600" dirty="0">
-                <a:solidFill>
-                  <a:schemeClr val="bg1"/>
-                </a:solidFill>
-              </a:rPr>
-              <a:t> </a:t>
-            </a:r>
-            <a:r>
-              <a:rPr lang="en-US" sz="1600" dirty="0" err="1">
-                <a:solidFill>
-                  <a:schemeClr val="bg1"/>
-                </a:solidFill>
-              </a:rPr>
-              <a:t>esse</a:t>
-            </a:r>
-            <a:r>
-              <a:rPr lang="en-US" sz="1600" dirty="0">
-                <a:solidFill>
-                  <a:schemeClr val="bg1"/>
-                </a:solidFill>
-              </a:rPr>
-              <a:t> </a:t>
-            </a:r>
-            <a:r>
-              <a:rPr lang="en-US" sz="1600" dirty="0" err="1">
-                <a:solidFill>
-                  <a:schemeClr val="bg1"/>
-                </a:solidFill>
-              </a:rPr>
-              <a:t>segredo</a:t>
-            </a:r>
-            <a:r>
-              <a:rPr lang="en-US" sz="1600" dirty="0">
-                <a:solidFill>
-                  <a:schemeClr val="bg1"/>
-                </a:solidFill>
-              </a:rPr>
-              <a:t>&lt;/p&gt;&lt;/ng-template&gt;</a:t>
-            </a:r>
-          </a:p>
-          <a:p>
-            <a:pPr marL="0" algn="ctr">
-              <a:buNone/>
-            </a:pPr>
-            <a:r>
-              <a:rPr lang="en-US" sz="1600" dirty="0">
-                <a:solidFill>
-                  <a:schemeClr val="bg1"/>
-                </a:solidFill>
-              </a:rPr>
-              <a:t>&lt;p *</a:t>
-            </a:r>
-            <a:r>
-              <a:rPr lang="en-US" sz="1600" dirty="0" err="1">
-                <a:solidFill>
-                  <a:schemeClr val="bg1"/>
-                </a:solidFill>
-              </a:rPr>
-              <a:t>ngIf</a:t>
-            </a:r>
-            <a:r>
-              <a:rPr lang="en-US" sz="1600" dirty="0">
-                <a:solidFill>
-                  <a:schemeClr val="bg1"/>
-                </a:solidFill>
-              </a:rPr>
-              <a:t>=“</a:t>
-            </a:r>
-            <a:r>
-              <a:rPr lang="en-US" sz="1600" dirty="0" err="1">
-                <a:solidFill>
-                  <a:schemeClr val="bg1"/>
-                </a:solidFill>
-              </a:rPr>
-              <a:t>ver</a:t>
-            </a:r>
-            <a:r>
-              <a:rPr lang="en-US" sz="1600" dirty="0">
-                <a:solidFill>
-                  <a:schemeClr val="bg1"/>
-                </a:solidFill>
-              </a:rPr>
-              <a:t>; else </a:t>
-            </a:r>
-            <a:r>
-              <a:rPr lang="en-US" sz="1600" dirty="0" err="1">
-                <a:solidFill>
-                  <a:schemeClr val="bg1"/>
-                </a:solidFill>
-              </a:rPr>
-              <a:t>esconder</a:t>
-            </a:r>
-            <a:r>
-              <a:rPr lang="en-US" sz="1600" dirty="0">
-                <a:solidFill>
-                  <a:schemeClr val="bg1"/>
-                </a:solidFill>
-              </a:rPr>
-              <a:t>"&gt;</a:t>
-            </a:r>
-            <a:r>
-              <a:rPr lang="en-US" sz="1600" dirty="0" err="1">
-                <a:solidFill>
-                  <a:schemeClr val="bg1"/>
-                </a:solidFill>
-              </a:rPr>
-              <a:t>Você</a:t>
-            </a:r>
-            <a:r>
-              <a:rPr lang="en-US" sz="1600" dirty="0">
-                <a:solidFill>
-                  <a:schemeClr val="bg1"/>
-                </a:solidFill>
-              </a:rPr>
-              <a:t> </a:t>
-            </a:r>
-            <a:r>
-              <a:rPr lang="en-US" sz="1600" dirty="0" err="1">
-                <a:solidFill>
-                  <a:schemeClr val="bg1"/>
-                </a:solidFill>
-              </a:rPr>
-              <a:t>descobriu</a:t>
-            </a:r>
-            <a:r>
-              <a:rPr lang="en-US" sz="1600" dirty="0">
-                <a:solidFill>
-                  <a:schemeClr val="bg1"/>
-                </a:solidFill>
-              </a:rPr>
-              <a:t> o </a:t>
-            </a:r>
-            <a:r>
-              <a:rPr lang="en-US" sz="1600" dirty="0" err="1">
-                <a:solidFill>
-                  <a:schemeClr val="bg1"/>
-                </a:solidFill>
-              </a:rPr>
-              <a:t>segredo</a:t>
-            </a:r>
-            <a:r>
-              <a:rPr lang="en-US" sz="1600" dirty="0">
-                <a:solidFill>
-                  <a:schemeClr val="bg1"/>
-                </a:solidFill>
-              </a:rPr>
-              <a:t> Legendary!&lt;/p&gt;</a:t>
-            </a:r>
-            <a:r>
-              <a:rPr lang="pt-BR" sz="1600" dirty="0">
-                <a:solidFill>
-                  <a:schemeClr val="bg1"/>
-                </a:solidFill>
-              </a:rPr>
-              <a:t> </a:t>
-            </a:r>
-          </a:p>
-          <a:p>
-            <a:pPr marL="201168" lvl="1" indent="0">
-              <a:buFont typeface="Calibri" pitchFamily="34" charset="0"/>
-              <a:buNone/>
-            </a:pPr>
-            <a:endParaRPr lang="pt-BR" sz="1400" dirty="0"/>
-          </a:p>
-          <a:p>
-            <a:pPr marL="201168" lvl="1" indent="0">
-              <a:buFont typeface="Calibri" pitchFamily="34" charset="0"/>
-              <a:buNone/>
-            </a:pPr>
-            <a:endParaRPr lang="pt-BR" sz="1400" dirty="0"/>
+              <a:t>Angular Cli</a:t>
+            </a:r>
+          </a:p>
+          <a:p>
+            <a:pPr lvl="1"/>
+            <a:endParaRPr lang="pt-BR">
+              <a:solidFill>
+                <a:srgbClr val="FFFFFF"/>
+              </a:solidFill>
+              <a:latin typeface="+mj-lt"/>
+            </a:endParaRPr>
           </a:p>
         </p:txBody>
       </p:sp>
@@ -5607,15 +6538,21 @@
             <p:ph type="title"/>
           </p:nvPr>
         </p:nvSpPr>
-        <p:spPr/>
+        <p:spPr>
+          <a:xfrm>
+            <a:off x="1097280" y="320842"/>
+            <a:ext cx="10058400" cy="790876"/>
+          </a:xfrm>
+        </p:spPr>
         <p:txBody>
           <a:bodyPr/>
           <a:lstStyle/>
           <a:p>
             <a:r>
-              <a:rPr lang="pt-BR" dirty="0"/>
+              <a:rPr lang="pt-BR"/>
               <a:t>Principais novidades da versão 4</a:t>
             </a:r>
+            <a:endParaRPr lang="pt-BR" dirty="0"/>
           </a:p>
         </p:txBody>
       </p:sp>
@@ -5632,105 +6569,805 @@
         <p:spPr>
           <a:xfrm>
             <a:off x="1097280" y="1845734"/>
-            <a:ext cx="10058400" cy="2863426"/>
-          </a:xfrm>
-        </p:spPr>
-        <p:txBody>
-          <a:bodyPr/>
+            <a:ext cx="10196362" cy="2245003"/>
+          </a:xfrm>
+        </p:spPr>
+        <p:txBody>
+          <a:bodyPr>
+            <a:noAutofit/>
+          </a:bodyPr>
           <a:lstStyle/>
           <a:p>
-            <a:r>
-              <a:rPr lang="pt-BR" dirty="0"/>
-              <a:t>Módulo de animação</a:t>
-            </a:r>
-          </a:p>
-          <a:p>
-            <a:r>
-              <a:rPr lang="pt-BR" dirty="0"/>
-              <a:t>Seus componentes foram separados da biblioteca ‘@angular/core’, deixando ela mais leve, caso for utilizar algum recurso procure em ‘@angular/</a:t>
-            </a:r>
-            <a:r>
-              <a:rPr lang="pt-BR" dirty="0" err="1"/>
-              <a:t>animations</a:t>
-            </a:r>
-            <a:r>
-              <a:rPr lang="pt-BR" dirty="0"/>
-              <a:t>’.</a:t>
-            </a:r>
-          </a:p>
-          <a:p>
-            <a:endParaRPr lang="pt-BR" dirty="0"/>
-          </a:p>
-          <a:p>
-            <a:r>
-              <a:rPr lang="pt-BR" dirty="0" err="1"/>
-              <a:t>Typescript</a:t>
-            </a:r>
-            <a:r>
-              <a:rPr lang="pt-BR" dirty="0"/>
-              <a:t> </a:t>
-            </a:r>
-            <a:r>
-              <a:rPr lang="pt-BR" dirty="0" err="1"/>
-              <a:t>StrictNullChecks</a:t>
-            </a:r>
-            <a:endParaRPr lang="pt-BR" dirty="0"/>
-          </a:p>
-          <a:p>
-            <a:r>
-              <a:rPr lang="pt-BR" dirty="0"/>
-              <a:t>Originalmente, </a:t>
-            </a:r>
-            <a:r>
-              <a:rPr lang="pt-BR" dirty="0" err="1"/>
-              <a:t>null</a:t>
-            </a:r>
-            <a:r>
-              <a:rPr lang="pt-BR" dirty="0"/>
+            <a:pPr marL="0" indent="0">
+              <a:buNone/>
+            </a:pPr>
+            <a:r>
+              <a:rPr lang="pt-BR" b="1" dirty="0">
+                <a:solidFill>
+                  <a:schemeClr val="accent2"/>
+                </a:solidFill>
+                <a:latin typeface="+mj-lt"/>
+              </a:rPr>
+              <a:t>Menor e veloz.</a:t>
+            </a:r>
+          </a:p>
+          <a:p>
+            <a:pPr marL="0" indent="0">
+              <a:buNone/>
+            </a:pPr>
+            <a:r>
+              <a:rPr lang="pt-BR" sz="2000" dirty="0">
+                <a:solidFill>
+                  <a:schemeClr val="tx1"/>
+                </a:solidFill>
+                <a:latin typeface="+mj-lt"/>
+              </a:rPr>
+              <a:t>O foco dessa versão foi velocidade, um grande ponto a ser lembrado foi a alteração da geração de código via AOT (</a:t>
+            </a:r>
+            <a:r>
+              <a:rPr lang="pt-BR" sz="2000" dirty="0" err="1">
+                <a:solidFill>
+                  <a:schemeClr val="tx1"/>
+                </a:solidFill>
+                <a:latin typeface="+mj-lt"/>
+              </a:rPr>
+              <a:t>Ahead</a:t>
+            </a:r>
+            <a:r>
+              <a:rPr lang="pt-BR" sz="2000" dirty="0">
+                <a:solidFill>
+                  <a:schemeClr val="tx1"/>
+                </a:solidFill>
+                <a:latin typeface="+mj-lt"/>
+              </a:rPr>
+              <a:t>-</a:t>
+            </a:r>
+            <a:r>
+              <a:rPr lang="pt-BR" sz="2000" dirty="0" err="1">
+                <a:solidFill>
+                  <a:schemeClr val="tx1"/>
+                </a:solidFill>
+                <a:latin typeface="+mj-lt"/>
+              </a:rPr>
+              <a:t>of</a:t>
+            </a:r>
+            <a:r>
+              <a:rPr lang="pt-BR" sz="2000" dirty="0">
+                <a:solidFill>
+                  <a:schemeClr val="tx1"/>
+                </a:solidFill>
+                <a:latin typeface="+mj-lt"/>
+              </a:rPr>
+              <a:t>-Time </a:t>
+            </a:r>
+            <a:r>
+              <a:rPr lang="pt-BR" sz="2000" dirty="0" err="1">
+                <a:solidFill>
+                  <a:schemeClr val="tx1"/>
+                </a:solidFill>
+                <a:latin typeface="+mj-lt"/>
+              </a:rPr>
+              <a:t>Compilation</a:t>
+            </a:r>
+            <a:r>
+              <a:rPr lang="pt-BR" sz="2000" dirty="0">
+                <a:solidFill>
+                  <a:schemeClr val="tx1"/>
+                </a:solidFill>
+                <a:latin typeface="+mj-lt"/>
+              </a:rPr>
+              <a:t>), reduzindo o código em 60%.</a:t>
+            </a:r>
+          </a:p>
+          <a:p>
+            <a:pPr marL="0" indent="0">
+              <a:buNone/>
+            </a:pPr>
+            <a:r>
+              <a:rPr lang="pt-BR" b="1" dirty="0" err="1">
+                <a:solidFill>
+                  <a:schemeClr val="accent2"/>
+                </a:solidFill>
+                <a:latin typeface="+mj-lt"/>
+              </a:rPr>
+              <a:t>If-else</a:t>
+            </a:r>
+            <a:endParaRPr lang="pt-BR" b="1" dirty="0">
+              <a:solidFill>
+                <a:schemeClr val="accent2"/>
+              </a:solidFill>
+              <a:latin typeface="+mj-lt"/>
+            </a:endParaRPr>
+          </a:p>
+          <a:p>
+            <a:pPr marL="0" indent="0">
+              <a:buNone/>
+            </a:pPr>
+            <a:r>
+              <a:rPr lang="pt-BR" dirty="0">
+                <a:solidFill>
+                  <a:schemeClr val="tx1"/>
+                </a:solidFill>
+                <a:latin typeface="+mj-lt"/>
+              </a:rPr>
+              <a:t>Nova sintaxe em ‘</a:t>
+            </a:r>
+            <a:r>
+              <a:rPr lang="pt-BR" dirty="0" err="1">
+                <a:solidFill>
+                  <a:schemeClr val="tx1"/>
+                </a:solidFill>
+                <a:latin typeface="+mj-lt"/>
+              </a:rPr>
+              <a:t>If</a:t>
+            </a:r>
+            <a:r>
+              <a:rPr lang="pt-BR" dirty="0">
+                <a:solidFill>
+                  <a:schemeClr val="tx1"/>
+                </a:solidFill>
+                <a:latin typeface="+mj-lt"/>
+              </a:rPr>
               <a:t> e </a:t>
             </a:r>
             <a:r>
-              <a:rPr lang="pt-BR" dirty="0" err="1"/>
-              <a:t>undefined</a:t>
-            </a:r>
-            <a:r>
-              <a:rPr lang="pt-BR" dirty="0"/>
-              <a:t> são tipos de classes primárias caso você não defina alguma variável, sendo assim você pode agora definir os tipos da seguinte maneira.</a:t>
-            </a:r>
-          </a:p>
-        </p:txBody>
-      </p:sp>
-      <p:sp>
-        <p:nvSpPr>
-          <p:cNvPr id="5" name="Espaço Reservado para Conteúdo 2"/>
-          <p:cNvSpPr txBox="1">
-            <a:spLocks/>
-          </p:cNvSpPr>
+              <a:rPr lang="pt-BR" dirty="0" err="1">
+                <a:solidFill>
+                  <a:schemeClr val="tx1"/>
+                </a:solidFill>
+                <a:latin typeface="+mj-lt"/>
+              </a:rPr>
+              <a:t>else</a:t>
+            </a:r>
+            <a:r>
+              <a:rPr lang="pt-BR" dirty="0">
+                <a:solidFill>
+                  <a:schemeClr val="tx1"/>
+                </a:solidFill>
+                <a:latin typeface="+mj-lt"/>
+              </a:rPr>
+              <a:t>’ para componentes </a:t>
+            </a:r>
+            <a:r>
+              <a:rPr lang="pt-BR" dirty="0" err="1">
+                <a:solidFill>
+                  <a:schemeClr val="tx1"/>
+                </a:solidFill>
+                <a:latin typeface="+mj-lt"/>
+              </a:rPr>
+              <a:t>html</a:t>
+            </a:r>
+            <a:r>
+              <a:rPr lang="pt-BR" dirty="0">
+                <a:solidFill>
+                  <a:schemeClr val="tx1"/>
+                </a:solidFill>
+                <a:latin typeface="+mj-lt"/>
+              </a:rPr>
+              <a:t>.</a:t>
+            </a:r>
+          </a:p>
+          <a:p>
+            <a:pPr marL="251460" indent="-342900"/>
+            <a:endParaRPr lang="pt-BR" dirty="0">
+              <a:solidFill>
+                <a:schemeClr val="tx1"/>
+              </a:solidFill>
+              <a:latin typeface="+mj-lt"/>
+            </a:endParaRPr>
+          </a:p>
+          <a:p>
+            <a:pPr marL="251460" indent="-342900"/>
+            <a:endParaRPr lang="pt-BR" dirty="0">
+              <a:solidFill>
+                <a:schemeClr val="tx1"/>
+              </a:solidFill>
+              <a:latin typeface="+mj-lt"/>
+            </a:endParaRPr>
+          </a:p>
+          <a:p>
+            <a:pPr marL="251460" indent="-342900"/>
+            <a:endParaRPr lang="pt-BR" dirty="0">
+              <a:solidFill>
+                <a:schemeClr val="tx1"/>
+              </a:solidFill>
+              <a:latin typeface="+mj-lt"/>
+            </a:endParaRPr>
+          </a:p>
+          <a:p>
+            <a:pPr marL="251460" indent="-342900"/>
+            <a:endParaRPr lang="pt-BR" dirty="0">
+              <a:solidFill>
+                <a:schemeClr val="tx1"/>
+              </a:solidFill>
+              <a:latin typeface="+mj-lt"/>
+            </a:endParaRPr>
+          </a:p>
+          <a:p>
+            <a:pPr marL="251460" indent="-342900"/>
+            <a:endParaRPr lang="pt-BR" dirty="0">
+              <a:solidFill>
+                <a:schemeClr val="tx1"/>
+              </a:solidFill>
+              <a:latin typeface="+mj-lt"/>
+            </a:endParaRPr>
+          </a:p>
+          <a:p>
+            <a:pPr marL="251460" indent="-342900"/>
+            <a:endParaRPr lang="pt-BR" dirty="0">
+              <a:solidFill>
+                <a:schemeClr val="tx1"/>
+              </a:solidFill>
+              <a:latin typeface="+mj-lt"/>
+            </a:endParaRPr>
+          </a:p>
+          <a:p>
+            <a:pPr marL="251460" indent="-342900"/>
+            <a:r>
+              <a:rPr lang="pt-BR" dirty="0">
+                <a:solidFill>
+                  <a:schemeClr val="tx1"/>
+                </a:solidFill>
+                <a:latin typeface="+mj-lt"/>
+              </a:rPr>
+              <a:t>	</a:t>
+            </a:r>
+            <a:endParaRPr lang="pt-BR" sz="1500" dirty="0">
+              <a:latin typeface="+mj-lt"/>
+            </a:endParaRPr>
+          </a:p>
+          <a:p>
+            <a:pPr lvl="1"/>
+            <a:endParaRPr lang="pt-BR" sz="1500" dirty="0">
+              <a:latin typeface="+mj-lt"/>
+            </a:endParaRPr>
+          </a:p>
+          <a:p>
+            <a:pPr lvl="1"/>
+            <a:endParaRPr lang="pt-BR" sz="1500" dirty="0">
+              <a:latin typeface="+mj-lt"/>
+            </a:endParaRPr>
+          </a:p>
+        </p:txBody>
+      </p:sp>
+      <p:pic>
+        <p:nvPicPr>
+          <p:cNvPr id="5" name="Imagem 4"/>
+          <p:cNvPicPr>
+            <a:picLocks noChangeAspect="1"/>
+          </p:cNvPicPr>
           <p:nvPr/>
-        </p:nvSpPr>
-        <p:spPr>
-          <a:xfrm>
-            <a:off x="1097280" y="4709159"/>
-            <a:ext cx="9890760" cy="1431713"/>
+        </p:nvPicPr>
+        <p:blipFill>
+          <a:blip r:embed="rId2"/>
+          <a:stretch>
+            <a:fillRect/>
+          </a:stretch>
+        </p:blipFill>
+        <p:spPr>
+          <a:xfrm>
+            <a:off x="1816843" y="3898233"/>
+            <a:ext cx="8619274" cy="2358104"/>
           </a:xfrm>
           <a:prstGeom prst="rect">
             <a:avLst/>
           </a:prstGeom>
         </p:spPr>
-        <p:style>
-          <a:lnRef idx="3">
-            <a:schemeClr val="lt1"/>
-          </a:lnRef>
-          <a:fillRef idx="1">
-            <a:schemeClr val="dk1"/>
-          </a:fillRef>
-          <a:effectRef idx="1">
-            <a:schemeClr val="dk1"/>
-          </a:effectRef>
-          <a:fontRef idx="minor">
-            <a:schemeClr val="lt1"/>
-          </a:fontRef>
-        </p:style>
+      </p:pic>
+      <p:pic>
+        <p:nvPicPr>
+          <p:cNvPr id="8" name="Imagem 7"/>
+          <p:cNvPicPr>
+            <a:picLocks noChangeAspect="1"/>
+          </p:cNvPicPr>
+          <p:nvPr/>
+        </p:nvPicPr>
+        <p:blipFill>
+          <a:blip r:embed="rId3"/>
+          <a:stretch>
+            <a:fillRect/>
+          </a:stretch>
+        </p:blipFill>
+        <p:spPr>
+          <a:xfrm>
+            <a:off x="9465744" y="554801"/>
+            <a:ext cx="1304925" cy="923925"/>
+          </a:xfrm>
+          <a:prstGeom prst="rect">
+            <a:avLst/>
+          </a:prstGeom>
+        </p:spPr>
+      </p:pic>
+    </p:spTree>
+    <p:extLst>
+      <p:ext uri="{BB962C8B-B14F-4D97-AF65-F5344CB8AC3E}">
+        <p14:creationId xmlns:p14="http://schemas.microsoft.com/office/powerpoint/2010/main" val="1146674902"/>
+      </p:ext>
+    </p:extLst>
+  </p:cSld>
+  <p:clrMapOvr>
+    <a:masterClrMapping/>
+  </p:clrMapOvr>
+</p:sld>
+</file>
+
+<file path=ppt/slides/slide7.xml><?xml version="1.0" encoding="utf-8"?>
+<p:sld xmlns:a="http://schemas.openxmlformats.org/drawingml/2006/main" xmlns:r="http://schemas.openxmlformats.org/officeDocument/2006/relationships" xmlns:p="http://schemas.openxmlformats.org/presentationml/2006/main">
+  <p:cSld>
+    <p:spTree>
+      <p:nvGrpSpPr>
+        <p:cNvPr id="1" name=""/>
+        <p:cNvGrpSpPr/>
+        <p:nvPr/>
+      </p:nvGrpSpPr>
+      <p:grpSpPr>
+        <a:xfrm>
+          <a:off x="0" y="0"/>
+          <a:ext cx="0" cy="0"/>
+          <a:chOff x="0" y="0"/>
+          <a:chExt cx="0" cy="0"/>
+        </a:xfrm>
+      </p:grpSpPr>
+      <p:sp>
+        <p:nvSpPr>
+          <p:cNvPr id="2" name="Título 1"/>
+          <p:cNvSpPr>
+            <a:spLocks noGrp="1"/>
+          </p:cNvSpPr>
+          <p:nvPr>
+            <p:ph type="title"/>
+          </p:nvPr>
+        </p:nvSpPr>
+        <p:spPr/>
+        <p:txBody>
+          <a:bodyPr/>
+          <a:lstStyle/>
+          <a:p>
+            <a:r>
+              <a:rPr lang="pt-BR" dirty="0"/>
+              <a:t>Principais novidades da versão 4</a:t>
+            </a:r>
+          </a:p>
+        </p:txBody>
+      </p:sp>
+      <p:sp>
+        <p:nvSpPr>
+          <p:cNvPr id="3" name="Espaço Reservado para Conteúdo 2"/>
+          <p:cNvSpPr>
+            <a:spLocks noGrp="1"/>
+          </p:cNvSpPr>
+          <p:nvPr>
+            <p:ph idx="1"/>
+          </p:nvPr>
+        </p:nvSpPr>
+        <p:spPr>
+          <a:xfrm>
+            <a:off x="1097280" y="1845734"/>
+            <a:ext cx="10058400" cy="2863426"/>
+          </a:xfrm>
+        </p:spPr>
+        <p:txBody>
+          <a:bodyPr/>
+          <a:lstStyle/>
+          <a:p>
+            <a:r>
+              <a:rPr lang="pt-BR" b="1" dirty="0">
+                <a:solidFill>
+                  <a:schemeClr val="accent2"/>
+                </a:solidFill>
+              </a:rPr>
+              <a:t>Módulo de animação</a:t>
+            </a:r>
+          </a:p>
+          <a:p>
+            <a:r>
+              <a:rPr lang="pt-BR" dirty="0"/>
+              <a:t>Seus componentes foram separados da biblioteca ‘@angular/core’, deixando ela mais leve, caso for utilizar algum recurso procure em ‘@angular/</a:t>
+            </a:r>
+            <a:r>
+              <a:rPr lang="pt-BR" dirty="0" err="1"/>
+              <a:t>animations</a:t>
+            </a:r>
+            <a:r>
+              <a:rPr lang="pt-BR" dirty="0"/>
+              <a:t>’.</a:t>
+            </a:r>
+          </a:p>
+          <a:p>
+            <a:endParaRPr lang="pt-BR" dirty="0"/>
+          </a:p>
+          <a:p>
+            <a:r>
+              <a:rPr lang="pt-BR" b="1" dirty="0" err="1">
+                <a:solidFill>
+                  <a:schemeClr val="accent2"/>
+                </a:solidFill>
+              </a:rPr>
+              <a:t>Typescript</a:t>
+            </a:r>
+            <a:r>
+              <a:rPr lang="pt-BR" b="1" dirty="0">
+                <a:solidFill>
+                  <a:schemeClr val="accent2"/>
+                </a:solidFill>
+              </a:rPr>
+              <a:t> </a:t>
+            </a:r>
+            <a:r>
+              <a:rPr lang="pt-BR" b="1" dirty="0" err="1">
+                <a:solidFill>
+                  <a:schemeClr val="accent2"/>
+                </a:solidFill>
+              </a:rPr>
+              <a:t>StrictNullChecks</a:t>
+            </a:r>
+            <a:endParaRPr lang="pt-BR" b="1" dirty="0">
+              <a:solidFill>
+                <a:schemeClr val="accent2"/>
+              </a:solidFill>
+            </a:endParaRPr>
+          </a:p>
+          <a:p>
+            <a:r>
+              <a:rPr lang="pt-BR" dirty="0"/>
+              <a:t>Originalmente, </a:t>
+            </a:r>
+            <a:r>
+              <a:rPr lang="pt-BR" dirty="0" err="1"/>
+              <a:t>null</a:t>
+            </a:r>
+            <a:r>
+              <a:rPr lang="pt-BR" dirty="0"/>
+              <a:t> e </a:t>
+            </a:r>
+            <a:r>
+              <a:rPr lang="pt-BR" dirty="0" err="1"/>
+              <a:t>undefined</a:t>
+            </a:r>
+            <a:r>
+              <a:rPr lang="pt-BR" dirty="0"/>
+              <a:t> são tipos de classes primárias caso você não defina alguma variável, sendo assim você pode agora definir os tipos da seguinte maneira.</a:t>
+            </a:r>
+          </a:p>
+          <a:p>
+            <a:endParaRPr lang="pt-BR" dirty="0"/>
+          </a:p>
+        </p:txBody>
+      </p:sp>
+      <p:pic>
+        <p:nvPicPr>
+          <p:cNvPr id="4" name="Imagem 3"/>
+          <p:cNvPicPr>
+            <a:picLocks noChangeAspect="1"/>
+          </p:cNvPicPr>
+          <p:nvPr/>
+        </p:nvPicPr>
+        <p:blipFill>
+          <a:blip r:embed="rId2"/>
+          <a:stretch>
+            <a:fillRect/>
+          </a:stretch>
+        </p:blipFill>
+        <p:spPr>
+          <a:xfrm>
+            <a:off x="1097280" y="4854521"/>
+            <a:ext cx="10068605" cy="816754"/>
+          </a:xfrm>
+          <a:prstGeom prst="rect">
+            <a:avLst/>
+          </a:prstGeom>
+        </p:spPr>
+      </p:pic>
+    </p:spTree>
+    <p:extLst>
+      <p:ext uri="{BB962C8B-B14F-4D97-AF65-F5344CB8AC3E}">
+        <p14:creationId xmlns:p14="http://schemas.microsoft.com/office/powerpoint/2010/main" val="3560121864"/>
+      </p:ext>
+    </p:extLst>
+  </p:cSld>
+  <p:clrMapOvr>
+    <a:masterClrMapping/>
+  </p:clrMapOvr>
+</p:sld>
+</file>
+
+<file path=ppt/slides/slide8.xml><?xml version="1.0" encoding="utf-8"?>
+<p:sld xmlns:a="http://schemas.openxmlformats.org/drawingml/2006/main" xmlns:r="http://schemas.openxmlformats.org/officeDocument/2006/relationships" xmlns:p="http://schemas.openxmlformats.org/presentationml/2006/main">
+  <p:cSld>
+    <p:spTree>
+      <p:nvGrpSpPr>
+        <p:cNvPr id="1" name=""/>
+        <p:cNvGrpSpPr/>
+        <p:nvPr/>
+      </p:nvGrpSpPr>
+      <p:grpSpPr>
+        <a:xfrm>
+          <a:off x="0" y="0"/>
+          <a:ext cx="0" cy="0"/>
+          <a:chOff x="0" y="0"/>
+          <a:chExt cx="0" cy="0"/>
+        </a:xfrm>
+      </p:grpSpPr>
+      <p:sp>
+        <p:nvSpPr>
+          <p:cNvPr id="2" name="Título 1"/>
+          <p:cNvSpPr>
+            <a:spLocks noGrp="1"/>
+          </p:cNvSpPr>
+          <p:nvPr>
+            <p:ph type="title"/>
+          </p:nvPr>
+        </p:nvSpPr>
+        <p:spPr/>
+        <p:txBody>
+          <a:bodyPr/>
+          <a:lstStyle/>
+          <a:p>
+            <a:r>
+              <a:rPr lang="pt-BR" dirty="0"/>
+              <a:t>Principais novidades da versão 4</a:t>
+            </a:r>
+          </a:p>
+        </p:txBody>
+      </p:sp>
+      <p:sp>
+        <p:nvSpPr>
+          <p:cNvPr id="3" name="Espaço Reservado para Conteúdo 2"/>
+          <p:cNvSpPr>
+            <a:spLocks noGrp="1"/>
+          </p:cNvSpPr>
+          <p:nvPr>
+            <p:ph idx="1"/>
+          </p:nvPr>
+        </p:nvSpPr>
+        <p:spPr>
+          <a:xfrm>
+            <a:off x="1097280" y="1845733"/>
+            <a:ext cx="10058400" cy="4073803"/>
+          </a:xfrm>
+        </p:spPr>
+        <p:txBody>
+          <a:bodyPr>
+            <a:normAutofit lnSpcReduction="10000"/>
+          </a:bodyPr>
+          <a:lstStyle/>
+          <a:p>
+            <a:r>
+              <a:rPr lang="pt-BR" b="1" dirty="0">
+                <a:solidFill>
+                  <a:schemeClr val="accent2"/>
+                </a:solidFill>
+              </a:rPr>
+              <a:t>Compatibilidade</a:t>
+            </a:r>
+          </a:p>
+          <a:p>
+            <a:r>
+              <a:rPr lang="pt-BR" dirty="0"/>
+              <a:t>Essa nova versão é compatível com o </a:t>
+            </a:r>
+            <a:r>
+              <a:rPr lang="pt-BR" dirty="0" err="1"/>
+              <a:t>Typescript</a:t>
+            </a:r>
+            <a:r>
+              <a:rPr lang="pt-BR" dirty="0"/>
+              <a:t> 2.1/2.2 e também é compatível com o Angular 2, sendo assim você não terá grandes diferenças da maneira que foi do Angular 1 para o 2.</a:t>
+            </a:r>
+          </a:p>
+          <a:p>
+            <a:endParaRPr lang="pt-BR" dirty="0"/>
+          </a:p>
+          <a:p>
+            <a:r>
+              <a:rPr lang="pt-BR" b="1" dirty="0">
+                <a:solidFill>
+                  <a:schemeClr val="accent2"/>
+                </a:solidFill>
+              </a:rPr>
+              <a:t>Angular Universal</a:t>
+            </a:r>
+          </a:p>
+          <a:p>
+            <a:r>
+              <a:rPr lang="pt-BR" dirty="0"/>
+              <a:t>Pacote que antigamente era da comunidade se tornou oficial, que permite o processamento ao lado do servidor.</a:t>
+            </a:r>
+          </a:p>
+          <a:p>
+            <a:endParaRPr lang="pt-BR" dirty="0"/>
+          </a:p>
+          <a:p>
+            <a:r>
+              <a:rPr lang="pt-BR" b="1" dirty="0" err="1">
+                <a:solidFill>
+                  <a:schemeClr val="accent2"/>
+                </a:solidFill>
+              </a:rPr>
+              <a:t>Tag</a:t>
+            </a:r>
+            <a:r>
+              <a:rPr lang="pt-BR" b="1" dirty="0">
+                <a:solidFill>
+                  <a:schemeClr val="accent2"/>
+                </a:solidFill>
+              </a:rPr>
+              <a:t> ‘</a:t>
+            </a:r>
+            <a:r>
+              <a:rPr lang="pt-BR" b="1" dirty="0" err="1">
+                <a:solidFill>
+                  <a:schemeClr val="accent2"/>
+                </a:solidFill>
+              </a:rPr>
+              <a:t>template</a:t>
+            </a:r>
+            <a:r>
+              <a:rPr lang="pt-BR" b="1" dirty="0">
+                <a:solidFill>
+                  <a:schemeClr val="accent2"/>
+                </a:solidFill>
+              </a:rPr>
+              <a:t>’</a:t>
+            </a:r>
+          </a:p>
+          <a:p>
+            <a:r>
+              <a:rPr lang="pt-BR" dirty="0"/>
+              <a:t>Agora foi descontinuada, mantendo o padrão como ‘</a:t>
+            </a:r>
+            <a:r>
+              <a:rPr lang="pt-BR" dirty="0" err="1"/>
+              <a:t>ng-template</a:t>
+            </a:r>
+            <a:r>
+              <a:rPr lang="pt-BR" dirty="0"/>
+              <a:t>’</a:t>
+            </a:r>
+          </a:p>
+        </p:txBody>
+      </p:sp>
+    </p:spTree>
+    <p:extLst>
+      <p:ext uri="{BB962C8B-B14F-4D97-AF65-F5344CB8AC3E}">
+        <p14:creationId xmlns:p14="http://schemas.microsoft.com/office/powerpoint/2010/main" val="458177589"/>
+      </p:ext>
+    </p:extLst>
+  </p:cSld>
+  <p:clrMapOvr>
+    <a:masterClrMapping/>
+  </p:clrMapOvr>
+</p:sld>
+</file>
+
+<file path=ppt/slides/slide9.xml><?xml version="1.0" encoding="utf-8"?>
+<p:sld xmlns:a="http://schemas.openxmlformats.org/drawingml/2006/main" xmlns:r="http://schemas.openxmlformats.org/officeDocument/2006/relationships" xmlns:p="http://schemas.openxmlformats.org/presentationml/2006/main">
+  <p:cSld>
+    <p:spTree>
+      <p:nvGrpSpPr>
+        <p:cNvPr id="1" name=""/>
+        <p:cNvGrpSpPr/>
+        <p:nvPr/>
+      </p:nvGrpSpPr>
+      <p:grpSpPr>
+        <a:xfrm>
+          <a:off x="0" y="0"/>
+          <a:ext cx="0" cy="0"/>
+          <a:chOff x="0" y="0"/>
+          <a:chExt cx="0" cy="0"/>
+        </a:xfrm>
+      </p:grpSpPr>
+      <p:sp>
+        <p:nvSpPr>
+          <p:cNvPr id="2" name="Título 1"/>
+          <p:cNvSpPr>
+            <a:spLocks noGrp="1"/>
+          </p:cNvSpPr>
+          <p:nvPr>
+            <p:ph type="title"/>
+          </p:nvPr>
+        </p:nvSpPr>
+        <p:spPr/>
+        <p:txBody>
+          <a:bodyPr/>
+          <a:lstStyle/>
+          <a:p>
+            <a:r>
+              <a:rPr lang="pt-BR" dirty="0"/>
+              <a:t>Principais novidades da versão 4</a:t>
+            </a:r>
+          </a:p>
+        </p:txBody>
+      </p:sp>
+      <p:sp>
+        <p:nvSpPr>
+          <p:cNvPr id="3" name="Espaço Reservado para Conteúdo 2"/>
+          <p:cNvSpPr>
+            <a:spLocks noGrp="1"/>
+          </p:cNvSpPr>
+          <p:nvPr>
+            <p:ph idx="1"/>
+          </p:nvPr>
+        </p:nvSpPr>
+        <p:spPr>
+          <a:xfrm>
+            <a:off x="1097280" y="1845734"/>
+            <a:ext cx="10058400" cy="940328"/>
+          </a:xfrm>
+        </p:spPr>
+        <p:txBody>
+          <a:bodyPr/>
+          <a:lstStyle/>
+          <a:p>
+            <a:r>
+              <a:rPr lang="pt-BR" b="1" dirty="0">
+                <a:solidFill>
+                  <a:schemeClr val="accent2"/>
+                </a:solidFill>
+              </a:rPr>
+              <a:t>AS</a:t>
+            </a:r>
+          </a:p>
+          <a:p>
+            <a:r>
+              <a:rPr lang="pt-BR" dirty="0"/>
+              <a:t>Permite salvar um em uma variável o resultado do </a:t>
+            </a:r>
+            <a:r>
+              <a:rPr lang="pt-BR" dirty="0" err="1"/>
+              <a:t>template</a:t>
+            </a:r>
+            <a:r>
+              <a:rPr lang="pt-BR" dirty="0"/>
+              <a:t> para ser utilizado como elemento.</a:t>
+            </a:r>
+          </a:p>
+          <a:p>
+            <a:endParaRPr lang="pt-BR" dirty="0"/>
+          </a:p>
+        </p:txBody>
+      </p:sp>
+      <p:pic>
+        <p:nvPicPr>
+          <p:cNvPr id="5" name="Imagem 4"/>
+          <p:cNvPicPr>
+            <a:picLocks noChangeAspect="1"/>
+          </p:cNvPicPr>
+          <p:nvPr/>
+        </p:nvPicPr>
+        <p:blipFill>
+          <a:blip r:embed="rId2"/>
+          <a:stretch>
+            <a:fillRect/>
+          </a:stretch>
+        </p:blipFill>
+        <p:spPr>
+          <a:xfrm>
+            <a:off x="2243889" y="2786062"/>
+            <a:ext cx="8007015" cy="1060631"/>
+          </a:xfrm>
+          <a:prstGeom prst="rect">
+            <a:avLst/>
+          </a:prstGeom>
+        </p:spPr>
+      </p:pic>
+      <p:sp>
+        <p:nvSpPr>
+          <p:cNvPr id="6" name="Espaço Reservado para Conteúdo 2"/>
+          <p:cNvSpPr txBox="1">
+            <a:spLocks/>
+          </p:cNvSpPr>
+          <p:nvPr/>
+        </p:nvSpPr>
+        <p:spPr>
+          <a:xfrm>
+            <a:off x="1097280" y="3868567"/>
+            <a:ext cx="10058400" cy="940328"/>
+          </a:xfrm>
+          <a:prstGeom prst="rect">
+            <a:avLst/>
+          </a:prstGeom>
+        </p:spPr>
         <p:txBody>
           <a:bodyPr vert="horz" lIns="0" tIns="45720" rIns="0" bIns="45720" rtlCol="0">
             <a:normAutofit/>
@@ -5982,395 +7619,91 @@
             </a:lvl9pPr>
           </a:lstStyle>
           <a:p>
-            <a:pPr algn="ctr"/>
-            <a:r>
-              <a:rPr lang="pt-BR" dirty="0" err="1">
-                <a:solidFill>
-                  <a:schemeClr val="bg1"/>
+            <a:r>
+              <a:rPr lang="pt-BR" b="1" dirty="0" err="1">
+                <a:solidFill>
+                  <a:schemeClr val="accent2"/>
                 </a:solidFill>
               </a:rPr>
-              <a:t>let</a:t>
-            </a:r>
-            <a:r>
-              <a:rPr lang="pt-BR" dirty="0">
-                <a:solidFill>
-                  <a:schemeClr val="bg1"/>
-                </a:solidFill>
-              </a:rPr>
-              <a:t> x = </a:t>
-            </a:r>
-            <a:r>
-              <a:rPr lang="pt-BR" dirty="0" err="1">
-                <a:solidFill>
-                  <a:schemeClr val="bg1"/>
-                </a:solidFill>
-              </a:rPr>
-              <a:t>String</a:t>
-            </a:r>
-            <a:r>
-              <a:rPr lang="pt-BR" dirty="0">
-                <a:solidFill>
-                  <a:schemeClr val="bg1"/>
+              <a:t>Observable</a:t>
+            </a:r>
+            <a:r>
+              <a:rPr lang="pt-BR" b="1" dirty="0">
+                <a:solidFill>
+                  <a:schemeClr val="accent2"/>
                 </a:solidFill>
               </a:rPr>
               <a:t> | </a:t>
             </a:r>
             <a:r>
-              <a:rPr lang="pt-BR" dirty="0" err="1">
-                <a:solidFill>
-                  <a:schemeClr val="bg1"/>
+              <a:rPr lang="pt-BR" b="1" dirty="0" err="1">
+                <a:solidFill>
+                  <a:schemeClr val="accent2"/>
                 </a:solidFill>
               </a:rPr>
-              <a:t>null</a:t>
-            </a:r>
-            <a:r>
-              <a:rPr lang="pt-BR" dirty="0">
-                <a:solidFill>
-                  <a:schemeClr val="bg1"/>
-                </a:solidFill>
-              </a:rPr>
-              <a:t> (</a:t>
-            </a:r>
-            <a:r>
-              <a:rPr lang="en-US" dirty="0">
-                <a:solidFill>
-                  <a:schemeClr val="bg1"/>
-                </a:solidFill>
-              </a:rPr>
-              <a:t>x </a:t>
-            </a:r>
-            <a:r>
-              <a:rPr lang="en-US" dirty="0" err="1">
-                <a:solidFill>
-                  <a:schemeClr val="bg1"/>
-                </a:solidFill>
-              </a:rPr>
-              <a:t>pode</a:t>
-            </a:r>
-            <a:r>
-              <a:rPr lang="en-US" dirty="0">
-                <a:solidFill>
-                  <a:schemeClr val="bg1"/>
-                </a:solidFill>
-              </a:rPr>
-              <a:t> </a:t>
-            </a:r>
-            <a:r>
-              <a:rPr lang="en-US" dirty="0" err="1">
-                <a:solidFill>
-                  <a:schemeClr val="bg1"/>
-                </a:solidFill>
-              </a:rPr>
-              <a:t>ser</a:t>
-            </a:r>
-            <a:r>
-              <a:rPr lang="en-US" dirty="0">
-                <a:solidFill>
-                  <a:schemeClr val="bg1"/>
-                </a:solidFill>
-              </a:rPr>
-              <a:t> String </a:t>
-            </a:r>
-            <a:r>
-              <a:rPr lang="en-US" dirty="0" err="1">
-                <a:solidFill>
-                  <a:schemeClr val="bg1"/>
-                </a:solidFill>
-              </a:rPr>
-              <a:t>ou</a:t>
-            </a:r>
-            <a:r>
-              <a:rPr lang="en-US" dirty="0">
-                <a:solidFill>
-                  <a:schemeClr val="bg1"/>
-                </a:solidFill>
-              </a:rPr>
-              <a:t> null)</a:t>
-            </a:r>
-            <a:endParaRPr lang="pt-BR" dirty="0">
+              <a:t>Async</a:t>
+            </a:r>
+            <a:endParaRPr lang="pt-BR" b="1" dirty="0">
               <a:solidFill>
-                <a:schemeClr val="bg1"/>
+                <a:schemeClr val="accent2"/>
               </a:solidFill>
             </a:endParaRPr>
           </a:p>
           <a:p>
-            <a:pPr algn="ctr"/>
-            <a:r>
-              <a:rPr lang="pt-BR" dirty="0" err="1">
-                <a:solidFill>
-                  <a:schemeClr val="bg1"/>
-                </a:solidFill>
-              </a:rPr>
-              <a:t>let</a:t>
-            </a:r>
-            <a:r>
-              <a:rPr lang="pt-BR" dirty="0">
-                <a:solidFill>
-                  <a:schemeClr val="bg1"/>
-                </a:solidFill>
-              </a:rPr>
-              <a:t> y = </a:t>
-            </a:r>
-            <a:r>
-              <a:rPr lang="pt-BR" dirty="0" err="1">
-                <a:solidFill>
-                  <a:schemeClr val="bg1"/>
-                </a:solidFill>
-              </a:rPr>
-              <a:t>Number</a:t>
-            </a:r>
-            <a:r>
-              <a:rPr lang="pt-BR" dirty="0">
-                <a:solidFill>
-                  <a:schemeClr val="bg1"/>
-                </a:solidFill>
-              </a:rPr>
-              <a:t> | </a:t>
-            </a:r>
-            <a:r>
-              <a:rPr lang="pt-BR" dirty="0" err="1">
-                <a:solidFill>
-                  <a:schemeClr val="bg1"/>
-                </a:solidFill>
-              </a:rPr>
-              <a:t>undefined</a:t>
-            </a:r>
-            <a:r>
-              <a:rPr lang="pt-BR" dirty="0">
-                <a:solidFill>
-                  <a:schemeClr val="bg1"/>
-                </a:solidFill>
-              </a:rPr>
-              <a:t> (</a:t>
-            </a:r>
-            <a:r>
-              <a:rPr lang="en-US" dirty="0">
-                <a:solidFill>
-                  <a:schemeClr val="bg1"/>
-                </a:solidFill>
-              </a:rPr>
-              <a:t>y </a:t>
-            </a:r>
-            <a:r>
-              <a:rPr lang="en-US" dirty="0" err="1">
-                <a:solidFill>
-                  <a:schemeClr val="bg1"/>
-                </a:solidFill>
-              </a:rPr>
-              <a:t>pode</a:t>
-            </a:r>
-            <a:r>
-              <a:rPr lang="en-US" dirty="0">
-                <a:solidFill>
-                  <a:schemeClr val="bg1"/>
-                </a:solidFill>
-              </a:rPr>
-              <a:t> </a:t>
-            </a:r>
-            <a:r>
-              <a:rPr lang="en-US" dirty="0" err="1">
-                <a:solidFill>
-                  <a:schemeClr val="bg1"/>
-                </a:solidFill>
-              </a:rPr>
-              <a:t>ser</a:t>
-            </a:r>
-            <a:r>
-              <a:rPr lang="en-US" dirty="0">
-                <a:solidFill>
-                  <a:schemeClr val="bg1"/>
-                </a:solidFill>
-              </a:rPr>
-              <a:t> Number </a:t>
-            </a:r>
-            <a:r>
-              <a:rPr lang="en-US" dirty="0" err="1">
-                <a:solidFill>
-                  <a:schemeClr val="bg1"/>
-                </a:solidFill>
-              </a:rPr>
-              <a:t>ou</a:t>
-            </a:r>
-            <a:r>
-              <a:rPr lang="en-US" dirty="0">
-                <a:solidFill>
-                  <a:schemeClr val="bg1"/>
-                </a:solidFill>
-              </a:rPr>
-              <a:t> undefined)</a:t>
-            </a:r>
-            <a:endParaRPr lang="pt-BR" dirty="0">
-              <a:solidFill>
-                <a:schemeClr val="bg1"/>
-              </a:solidFill>
-            </a:endParaRPr>
-          </a:p>
-          <a:p>
-            <a:pPr algn="ctr"/>
-            <a:r>
-              <a:rPr lang="pt-BR" dirty="0" err="1">
-                <a:solidFill>
-                  <a:schemeClr val="bg1"/>
-                </a:solidFill>
-              </a:rPr>
-              <a:t>let</a:t>
-            </a:r>
-            <a:r>
-              <a:rPr lang="pt-BR" dirty="0">
-                <a:solidFill>
-                  <a:schemeClr val="bg1"/>
-                </a:solidFill>
-              </a:rPr>
-              <a:t> z = </a:t>
-            </a:r>
-            <a:r>
-              <a:rPr lang="pt-BR" dirty="0" err="1">
-                <a:solidFill>
-                  <a:schemeClr val="bg1"/>
-                </a:solidFill>
-              </a:rPr>
-              <a:t>Array</a:t>
-            </a:r>
-            <a:r>
-              <a:rPr lang="pt-BR" dirty="0">
-                <a:solidFill>
-                  <a:schemeClr val="bg1"/>
-                </a:solidFill>
-              </a:rPr>
-              <a:t>&lt;</a:t>
-            </a:r>
-            <a:r>
-              <a:rPr lang="pt-BR" dirty="0" err="1">
-                <a:solidFill>
-                  <a:schemeClr val="bg1"/>
-                </a:solidFill>
-              </a:rPr>
-              <a:t>String</a:t>
-            </a:r>
-            <a:r>
-              <a:rPr lang="pt-BR" dirty="0">
-                <a:solidFill>
-                  <a:schemeClr val="bg1"/>
-                </a:solidFill>
-              </a:rPr>
-              <a:t>&gt; | </a:t>
-            </a:r>
-            <a:r>
-              <a:rPr lang="pt-BR" dirty="0" err="1">
-                <a:solidFill>
-                  <a:schemeClr val="bg1"/>
-                </a:solidFill>
-              </a:rPr>
-              <a:t>null</a:t>
-            </a:r>
-            <a:r>
-              <a:rPr lang="pt-BR" dirty="0">
-                <a:solidFill>
-                  <a:schemeClr val="bg1"/>
-                </a:solidFill>
-              </a:rPr>
-              <a:t> | </a:t>
-            </a:r>
-            <a:r>
-              <a:rPr lang="pt-BR" dirty="0" err="1">
-                <a:solidFill>
-                  <a:schemeClr val="bg1"/>
-                </a:solidFill>
-              </a:rPr>
-              <a:t>undefined</a:t>
-            </a:r>
-            <a:r>
-              <a:rPr lang="pt-BR" dirty="0">
-                <a:solidFill>
-                  <a:schemeClr val="bg1"/>
-                </a:solidFill>
-              </a:rPr>
-              <a:t> (</a:t>
-            </a:r>
-            <a:r>
-              <a:rPr lang="en-US" dirty="0">
-                <a:solidFill>
-                  <a:schemeClr val="bg1"/>
-                </a:solidFill>
-              </a:rPr>
-              <a:t>z </a:t>
-            </a:r>
-            <a:r>
-              <a:rPr lang="en-US" dirty="0" err="1">
-                <a:solidFill>
-                  <a:schemeClr val="bg1"/>
-                </a:solidFill>
-              </a:rPr>
-              <a:t>pode</a:t>
-            </a:r>
-            <a:r>
-              <a:rPr lang="en-US" dirty="0">
-                <a:solidFill>
-                  <a:schemeClr val="bg1"/>
-                </a:solidFill>
-              </a:rPr>
-              <a:t> </a:t>
-            </a:r>
-            <a:r>
-              <a:rPr lang="en-US" dirty="0" err="1">
-                <a:solidFill>
-                  <a:schemeClr val="bg1"/>
-                </a:solidFill>
-              </a:rPr>
-              <a:t>ser</a:t>
-            </a:r>
-            <a:r>
-              <a:rPr lang="en-US" dirty="0">
-                <a:solidFill>
-                  <a:schemeClr val="bg1"/>
-                </a:solidFill>
-              </a:rPr>
-              <a:t> Arrays de String </a:t>
-            </a:r>
-            <a:r>
-              <a:rPr lang="en-US" dirty="0" err="1">
-                <a:solidFill>
-                  <a:schemeClr val="bg1"/>
-                </a:solidFill>
-              </a:rPr>
-              <a:t>ou</a:t>
-            </a:r>
-            <a:r>
-              <a:rPr lang="en-US" dirty="0">
-                <a:solidFill>
-                  <a:schemeClr val="bg1"/>
-                </a:solidFill>
-              </a:rPr>
-              <a:t> null </a:t>
-            </a:r>
-            <a:r>
-              <a:rPr lang="en-US" dirty="0" err="1">
-                <a:solidFill>
-                  <a:schemeClr val="bg1"/>
-                </a:solidFill>
-              </a:rPr>
-              <a:t>ou</a:t>
-            </a:r>
-            <a:r>
-              <a:rPr lang="en-US" dirty="0">
-                <a:solidFill>
-                  <a:schemeClr val="bg1"/>
-                </a:solidFill>
-              </a:rPr>
-              <a:t> undefined)</a:t>
-            </a:r>
-            <a:endParaRPr lang="pt-BR" dirty="0">
-              <a:solidFill>
-                <a:schemeClr val="bg1"/>
-              </a:solidFill>
-            </a:endParaRPr>
-          </a:p>
-        </p:txBody>
-      </p:sp>
+            <a:r>
+              <a:rPr lang="pt-BR" dirty="0"/>
+              <a:t>Através do resultado do </a:t>
+            </a:r>
+            <a:r>
+              <a:rPr lang="pt-BR" dirty="0" err="1"/>
+              <a:t>Observable</a:t>
+            </a:r>
+            <a:r>
+              <a:rPr lang="pt-BR" dirty="0"/>
+              <a:t> você pode recuperar seu retorno no </a:t>
+            </a:r>
+            <a:r>
+              <a:rPr lang="pt-BR" dirty="0" err="1"/>
+              <a:t>html</a:t>
+            </a:r>
+            <a:r>
+              <a:rPr lang="pt-BR" dirty="0"/>
+              <a:t>.</a:t>
+            </a:r>
+          </a:p>
+          <a:p>
+            <a:endParaRPr lang="pt-BR" dirty="0"/>
+          </a:p>
+        </p:txBody>
+      </p:sp>
+      <p:pic>
+        <p:nvPicPr>
+          <p:cNvPr id="9" name="Imagem 8"/>
+          <p:cNvPicPr>
+            <a:picLocks noChangeAspect="1"/>
+          </p:cNvPicPr>
+          <p:nvPr/>
+        </p:nvPicPr>
+        <p:blipFill>
+          <a:blip r:embed="rId3"/>
+          <a:stretch>
+            <a:fillRect/>
+          </a:stretch>
+        </p:blipFill>
+        <p:spPr>
+          <a:xfrm>
+            <a:off x="2243889" y="4787021"/>
+            <a:ext cx="7108658" cy="1480970"/>
+          </a:xfrm>
+          <a:prstGeom prst="rect">
+            <a:avLst/>
+          </a:prstGeom>
+        </p:spPr>
+      </p:pic>
     </p:spTree>
     <p:extLst>
       <p:ext uri="{BB962C8B-B14F-4D97-AF65-F5344CB8AC3E}">
-        <p14:creationId xmlns:p14="http://schemas.microsoft.com/office/powerpoint/2010/main" val="3560121864"/>
+        <p14:creationId xmlns:p14="http://schemas.microsoft.com/office/powerpoint/2010/main" val="3468677545"/>
       </p:ext>
     </p:extLst>
   </p:cSld>
